--- a/Desain/4. Wareframe/Wareframe Mosacc.pptx
+++ b/Desain/4. Wareframe/Wareframe Mosacc.pptx
@@ -2420,7 +2420,7 @@
           <a:p>
             <a:fld id="{C2C87838-D927-4C90-9765-8B04E7B6897C}" type="datetimeFigureOut">
               <a:rPr lang="id-ID" smtClean="0"/>
-              <a:t>29-09-2019</a:t>
+              <a:t>08-10-2019</a:t>
             </a:fld>
             <a:endParaRPr lang="id-ID"/>
           </a:p>
@@ -2620,7 +2620,7 @@
           <a:p>
             <a:fld id="{C2C87838-D927-4C90-9765-8B04E7B6897C}" type="datetimeFigureOut">
               <a:rPr lang="id-ID" smtClean="0"/>
-              <a:t>29-09-2019</a:t>
+              <a:t>08-10-2019</a:t>
             </a:fld>
             <a:endParaRPr lang="id-ID"/>
           </a:p>
@@ -2830,7 +2830,7 @@
           <a:p>
             <a:fld id="{C2C87838-D927-4C90-9765-8B04E7B6897C}" type="datetimeFigureOut">
               <a:rPr lang="id-ID" smtClean="0"/>
-              <a:t>29-09-2019</a:t>
+              <a:t>08-10-2019</a:t>
             </a:fld>
             <a:endParaRPr lang="id-ID"/>
           </a:p>
@@ -3030,7 +3030,7 @@
           <a:p>
             <a:fld id="{C2C87838-D927-4C90-9765-8B04E7B6897C}" type="datetimeFigureOut">
               <a:rPr lang="id-ID" smtClean="0"/>
-              <a:t>29-09-2019</a:t>
+              <a:t>08-10-2019</a:t>
             </a:fld>
             <a:endParaRPr lang="id-ID"/>
           </a:p>
@@ -3306,7 +3306,7 @@
           <a:p>
             <a:fld id="{C2C87838-D927-4C90-9765-8B04E7B6897C}" type="datetimeFigureOut">
               <a:rPr lang="id-ID" smtClean="0"/>
-              <a:t>29-09-2019</a:t>
+              <a:t>08-10-2019</a:t>
             </a:fld>
             <a:endParaRPr lang="id-ID"/>
           </a:p>
@@ -3574,7 +3574,7 @@
           <a:p>
             <a:fld id="{C2C87838-D927-4C90-9765-8B04E7B6897C}" type="datetimeFigureOut">
               <a:rPr lang="id-ID" smtClean="0"/>
-              <a:t>29-09-2019</a:t>
+              <a:t>08-10-2019</a:t>
             </a:fld>
             <a:endParaRPr lang="id-ID"/>
           </a:p>
@@ -3989,7 +3989,7 @@
           <a:p>
             <a:fld id="{C2C87838-D927-4C90-9765-8B04E7B6897C}" type="datetimeFigureOut">
               <a:rPr lang="id-ID" smtClean="0"/>
-              <a:t>29-09-2019</a:t>
+              <a:t>08-10-2019</a:t>
             </a:fld>
             <a:endParaRPr lang="id-ID"/>
           </a:p>
@@ -4131,7 +4131,7 @@
           <a:p>
             <a:fld id="{C2C87838-D927-4C90-9765-8B04E7B6897C}" type="datetimeFigureOut">
               <a:rPr lang="id-ID" smtClean="0"/>
-              <a:t>29-09-2019</a:t>
+              <a:t>08-10-2019</a:t>
             </a:fld>
             <a:endParaRPr lang="id-ID"/>
           </a:p>
@@ -4244,7 +4244,7 @@
           <a:p>
             <a:fld id="{C2C87838-D927-4C90-9765-8B04E7B6897C}" type="datetimeFigureOut">
               <a:rPr lang="id-ID" smtClean="0"/>
-              <a:t>29-09-2019</a:t>
+              <a:t>08-10-2019</a:t>
             </a:fld>
             <a:endParaRPr lang="id-ID"/>
           </a:p>
@@ -4557,7 +4557,7 @@
           <a:p>
             <a:fld id="{C2C87838-D927-4C90-9765-8B04E7B6897C}" type="datetimeFigureOut">
               <a:rPr lang="id-ID" smtClean="0"/>
-              <a:t>29-09-2019</a:t>
+              <a:t>08-10-2019</a:t>
             </a:fld>
             <a:endParaRPr lang="id-ID"/>
           </a:p>
@@ -4846,7 +4846,7 @@
           <a:p>
             <a:fld id="{C2C87838-D927-4C90-9765-8B04E7B6897C}" type="datetimeFigureOut">
               <a:rPr lang="id-ID" smtClean="0"/>
-              <a:t>29-09-2019</a:t>
+              <a:t>08-10-2019</a:t>
             </a:fld>
             <a:endParaRPr lang="id-ID"/>
           </a:p>
@@ -5089,7 +5089,7 @@
           <a:p>
             <a:fld id="{C2C87838-D927-4C90-9765-8B04E7B6897C}" type="datetimeFigureOut">
               <a:rPr lang="id-ID" smtClean="0"/>
-              <a:t>29-09-2019</a:t>
+              <a:t>08-10-2019</a:t>
             </a:fld>
             <a:endParaRPr lang="id-ID"/>
           </a:p>
@@ -8618,7 +8618,7 @@
         <p:spPr>
           <a:xfrm>
             <a:off x="2585156" y="1603022"/>
-            <a:ext cx="9177866" cy="2031325"/>
+            <a:ext cx="9177866" cy="4524315"/>
           </a:xfrm>
           <a:prstGeom prst="rect">
             <a:avLst/>
@@ -8633,18 +8633,79 @@
           <a:p>
             <a:r>
               <a:rPr lang="id-ID" dirty="0"/>
-              <a:t>Selamat datang di aplikasi akuntansi Masjid, aplikasi ini merupakan.........</a:t>
+              <a:t>Selamat datang di aplikasi </a:t>
             </a:r>
-          </a:p>
-          <a:p>
             <a:r>
               <a:rPr lang="id-ID" dirty="0" err="1"/>
-              <a:t>Sadksjhabv</a:t>
+              <a:t>Mosacc</a:t>
             </a:r>
             <a:r>
               <a:rPr lang="id-ID" dirty="0"/>
-              <a:t> cldsa.jgbrahbtgsjymkysthyagvragdsgfrefagfdfgdshhhhhhhhhhhhhhhhhhhhhhhhhhhhhhhhhhhhhhhhhhhhhhhhhhhhhhhhhhgdfhhhhhhhhhhhhhhhhhhhhhhhhhhhhhhhhhhhhhhhhhhhhhhhhhhhhhhhhhhhhhhhhhhhhhhhhhhhhhhhhhhhhhhhhhhhhhhhhhhhhhhhhhhhhhhhhhhhhhhhhhhhhhhhhhhhhhhhhhhhhhhhhhhhhhhhhhhhhhhhhhhhhhhhhhhhhhhhhhhhhhhhhhhhhhhhhhhhhhhhhhhhhhhhhhhhhhhhhhhhhhhhhhhhhnbcnbvcnhgfcndfhgdsghgdnbdgngdfhfxghd</a:t>
+              <a:t>, Aplikasi akuntansi masjid.</a:t>
             </a:r>
+          </a:p>
+          <a:p>
+            <a:endParaRPr lang="id-ID" dirty="0"/>
+          </a:p>
+          <a:p>
+            <a:r>
+              <a:rPr lang="id-ID" dirty="0" err="1"/>
+              <a:t>Wizard</a:t>
+            </a:r>
+            <a:r>
+              <a:rPr lang="id-ID" dirty="0"/>
+              <a:t> ini akan mengarahkan </a:t>
+            </a:r>
+            <a:r>
+              <a:rPr lang="id-ID" dirty="0" err="1"/>
+              <a:t>anda</a:t>
+            </a:r>
+            <a:r>
+              <a:rPr lang="id-ID" dirty="0"/>
+              <a:t> untuk melakukan setup aplikasi.</a:t>
+            </a:r>
+          </a:p>
+          <a:p>
+            <a:endParaRPr lang="id-ID" dirty="0"/>
+          </a:p>
+          <a:p>
+            <a:r>
+              <a:rPr lang="id-ID" dirty="0"/>
+              <a:t>Klik tombol lanjut, untuk melanjutkan...</a:t>
+            </a:r>
+          </a:p>
+          <a:p>
+            <a:endParaRPr lang="id-ID" dirty="0"/>
+          </a:p>
+          <a:p>
+            <a:endParaRPr lang="id-ID" dirty="0"/>
+          </a:p>
+          <a:p>
+            <a:endParaRPr lang="id-ID" dirty="0"/>
+          </a:p>
+          <a:p>
+            <a:endParaRPr lang="id-ID" dirty="0"/>
+          </a:p>
+          <a:p>
+            <a:endParaRPr lang="id-ID" dirty="0"/>
+          </a:p>
+          <a:p>
+            <a:endParaRPr lang="id-ID" dirty="0"/>
+          </a:p>
+          <a:p>
+            <a:endParaRPr lang="id-ID" dirty="0"/>
+          </a:p>
+          <a:p>
+            <a:endParaRPr lang="id-ID" dirty="0"/>
+          </a:p>
+          <a:p>
+            <a:endParaRPr lang="id-ID" dirty="0"/>
+          </a:p>
+          <a:p>
+            <a:endParaRPr lang="id-ID" dirty="0"/>
+          </a:p>
+          <a:p>
+            <a:endParaRPr lang="id-ID" dirty="0"/>
           </a:p>
         </p:txBody>
       </p:sp>
@@ -18186,7 +18247,7 @@
         <p:spPr>
           <a:xfrm>
             <a:off x="2585156" y="1603022"/>
-            <a:ext cx="9177866" cy="1477328"/>
+            <a:ext cx="9177866" cy="646331"/>
           </a:xfrm>
           <a:prstGeom prst="rect">
             <a:avLst/>
@@ -18205,192 +18266,11 @@
             </a:r>
             <a:r>
               <a:rPr lang="id-ID" dirty="0"/>
-              <a:t>, setup selesai dan sistem siap digunakan. </a:t>
+              <a:t>, setup selesai dan aplikasi siap digunakan. </a:t>
             </a:r>
-            <a:r>
-              <a:rPr lang="id-ID" dirty="0" err="1"/>
-              <a:t>Sjafbsdkjvbfdlszbv</a:t>
-            </a:r>
-            <a:r>
-              <a:rPr lang="id-ID" dirty="0"/>
-              <a:t> </a:t>
-            </a:r>
-            <a:r>
-              <a:rPr lang="id-ID" dirty="0" err="1"/>
-              <a:t>hjflkzbnjflzknjblknfvlkz</a:t>
-            </a:r>
-            <a:r>
-              <a:rPr lang="id-ID" dirty="0"/>
-              <a:t>  i </a:t>
-            </a:r>
-            <a:r>
-              <a:rPr lang="id-ID" dirty="0" err="1"/>
-              <a:t>db</a:t>
-            </a:r>
-            <a:r>
-              <a:rPr lang="id-ID" dirty="0"/>
-              <a:t> </a:t>
-            </a:r>
-            <a:r>
-              <a:rPr lang="id-ID" dirty="0" err="1"/>
-              <a:t>dg</a:t>
-            </a:r>
-            <a:r>
-              <a:rPr lang="id-ID" dirty="0"/>
-              <a:t> </a:t>
-            </a:r>
-            <a:r>
-              <a:rPr lang="id-ID" dirty="0" err="1"/>
-              <a:t>jdj</a:t>
-            </a:r>
-            <a:r>
-              <a:rPr lang="id-ID" dirty="0"/>
-              <a:t> </a:t>
-            </a:r>
-            <a:r>
-              <a:rPr lang="id-ID" dirty="0" err="1"/>
-              <a:t>jd</a:t>
-            </a:r>
-            <a:r>
-              <a:rPr lang="id-ID" dirty="0"/>
-              <a:t> </a:t>
-            </a:r>
-            <a:r>
-              <a:rPr lang="id-ID" dirty="0" err="1"/>
-              <a:t>jdkhfjkdhsbv</a:t>
-            </a:r>
-            <a:r>
-              <a:rPr lang="id-ID" dirty="0"/>
-              <a:t> </a:t>
-            </a:r>
-            <a:r>
-              <a:rPr lang="id-ID" dirty="0" err="1"/>
-              <a:t>dsfjbdfb</a:t>
-            </a:r>
-            <a:r>
-              <a:rPr lang="id-ID" dirty="0"/>
-              <a:t> </a:t>
-            </a:r>
-            <a:r>
-              <a:rPr lang="id-ID" dirty="0" err="1"/>
-              <a:t>skdbfjknachgvfia</a:t>
-            </a:r>
-            <a:r>
-              <a:rPr lang="id-ID" dirty="0"/>
-              <a:t> </a:t>
-            </a:r>
-            <a:r>
-              <a:rPr lang="id-ID" dirty="0" err="1"/>
-              <a:t>efhbivoxb</a:t>
-            </a:r>
-            <a:r>
-              <a:rPr lang="id-ID" dirty="0"/>
-              <a:t> </a:t>
-            </a:r>
-            <a:r>
-              <a:rPr lang="id-ID" dirty="0" err="1"/>
-              <a:t>rbfhjkalberuheo;PMKFMVBOHG</a:t>
-            </a:r>
-            <a:r>
-              <a:rPr lang="id-ID" dirty="0"/>
-              <a:t> UIHSI HIHRISJGOTDHJBO;GJYIF;T  JOIYJF OFJOY DLKHJBINGDLITUR SLH N </a:t>
-            </a:r>
-            <a:r>
-              <a:rPr lang="id-ID" dirty="0" err="1"/>
-              <a:t>Hh</a:t>
-            </a:r>
-            <a:r>
-              <a:rPr lang="id-ID" dirty="0"/>
-              <a:t> </a:t>
-            </a:r>
-            <a:r>
-              <a:rPr lang="id-ID" dirty="0" err="1"/>
-              <a:t>lnykldj</a:t>
-            </a:r>
-            <a:r>
-              <a:rPr lang="id-ID" dirty="0"/>
-              <a:t> </a:t>
-            </a:r>
-            <a:r>
-              <a:rPr lang="id-ID" dirty="0" err="1"/>
-              <a:t>jdoijhdm</a:t>
-            </a:r>
-            <a:r>
-              <a:rPr lang="id-ID" dirty="0"/>
-              <a:t> </a:t>
-            </a:r>
-            <a:r>
-              <a:rPr lang="id-ID" dirty="0" err="1"/>
-              <a:t>hoidjh</a:t>
-            </a:r>
-            <a:r>
-              <a:rPr lang="id-ID" dirty="0"/>
-              <a:t> </a:t>
-            </a:r>
-            <a:r>
-              <a:rPr lang="id-ID" dirty="0" err="1"/>
-              <a:t>kmklhvbhnjbvnmcknbk</a:t>
-            </a:r>
-            <a:r>
-              <a:rPr lang="id-ID" dirty="0"/>
-              <a:t> </a:t>
-            </a:r>
-            <a:r>
-              <a:rPr lang="id-ID" dirty="0" err="1"/>
-              <a:t>bvlk</a:t>
-            </a:r>
-            <a:r>
-              <a:rPr lang="id-ID" dirty="0"/>
-              <a:t> </a:t>
-            </a:r>
-            <a:r>
-              <a:rPr lang="id-ID" dirty="0" err="1"/>
-              <a:t>nbvnnok</a:t>
-            </a:r>
-            <a:r>
-              <a:rPr lang="id-ID" dirty="0"/>
-              <a:t> j </a:t>
-            </a:r>
-            <a:r>
-              <a:rPr lang="id-ID" dirty="0" err="1"/>
-              <a:t>nnhniuhn</a:t>
-            </a:r>
-            <a:r>
-              <a:rPr lang="id-ID" dirty="0"/>
-              <a:t> </a:t>
-            </a:r>
-            <a:r>
-              <a:rPr lang="id-ID" dirty="0" err="1"/>
-              <a:t>oimhniuuiulh</a:t>
-            </a:r>
-            <a:r>
-              <a:rPr lang="id-ID" dirty="0"/>
-              <a:t> b8ynoijhybih </a:t>
-            </a:r>
-            <a:r>
-              <a:rPr lang="id-ID" dirty="0" err="1"/>
-              <a:t>oihkjhi</a:t>
-            </a:r>
-            <a:r>
-              <a:rPr lang="id-ID" dirty="0"/>
-              <a:t> nm </a:t>
-            </a:r>
-            <a:r>
-              <a:rPr lang="id-ID" dirty="0" err="1"/>
-              <a:t>oinhoiu</a:t>
-            </a:r>
-            <a:r>
-              <a:rPr lang="id-ID" dirty="0"/>
-              <a:t> 9ih </a:t>
-            </a:r>
-            <a:r>
-              <a:rPr lang="id-ID" dirty="0" err="1"/>
-              <a:t>noji</a:t>
-            </a:r>
-            <a:r>
-              <a:rPr lang="id-ID" dirty="0"/>
-              <a:t> </a:t>
-            </a:r>
+          </a:p>
+          <a:p>
+            <a:endParaRPr lang="id-ID" dirty="0"/>
           </a:p>
         </p:txBody>
       </p:sp>
@@ -30176,18 +30056,18 @@
 
 <file path=customXml/item1.xml><?xml version="1.0" encoding="utf-8"?>
 <Control xmlns="http://schemas.microsoft.com/VisualStudio/2011/storyboarding/control">
-  <Id Name="a2c8d44d-9667-4c53-9e49-e310e6246c4a" RevisionId="9b2c8de1-5094-4c28-9871-718be66a8830" Stencil="172d6d98-e5c9-42e9-a209-79f7a94bbd38" StencilRevisionId="00000000-0000-0000-0000-000000000000" StencilVersion="0.0"/>
+  <Id Name="System.Storyboarding.WindowsAppIcons.Left" Revision="1" Stencil="System.Storyboarding.WindowsAppIcons" StencilVersion="0.1"/>
 </Control>
 </file>
 
 <file path=customXml/item2.xml><?xml version="1.0" encoding="utf-8"?>
 <Control xmlns="http://schemas.microsoft.com/VisualStudio/2011/storyboarding/control">
-  <Id Name="System.Storyboarding.WindowsAppIcons.Left" Revision="1" Stencil="System.Storyboarding.WindowsAppIcons" StencilVersion="0.1"/>
+  <Id Name="a2c8d44d-9667-4c53-9e49-e310e6246c4a" RevisionId="9b2c8de1-5094-4c28-9871-718be66a8830" Stencil="172d6d98-e5c9-42e9-a209-79f7a94bbd38" StencilRevisionId="00000000-0000-0000-0000-000000000000" StencilVersion="0.0"/>
 </Control>
 </file>
 
 <file path=customXml/itemProps1.xml><?xml version="1.0" encoding="utf-8"?>
-<ds:datastoreItem xmlns:ds="http://schemas.openxmlformats.org/officeDocument/2006/customXml" ds:itemID="{F70A2E01-74C0-4C34-BBC6-7043AF99139A}">
+<ds:datastoreItem xmlns:ds="http://schemas.openxmlformats.org/officeDocument/2006/customXml" ds:itemID="{328B2636-50CB-447B-B1F7-79BF6B4D4FC1}">
   <ds:schemaRefs>
     <ds:schemaRef ds:uri="http://schemas.microsoft.com/VisualStudio/2011/storyboarding/control"/>
   </ds:schemaRefs>
@@ -30195,7 +30075,7 @@
 </file>
 
 <file path=customXml/itemProps2.xml><?xml version="1.0" encoding="utf-8"?>
-<ds:datastoreItem xmlns:ds="http://schemas.openxmlformats.org/officeDocument/2006/customXml" ds:itemID="{328B2636-50CB-447B-B1F7-79BF6B4D4FC1}">
+<ds:datastoreItem xmlns:ds="http://schemas.openxmlformats.org/officeDocument/2006/customXml" ds:itemID="{F70A2E01-74C0-4C34-BBC6-7043AF99139A}">
   <ds:schemaRefs>
     <ds:schemaRef ds:uri="http://schemas.microsoft.com/VisualStudio/2011/storyboarding/control"/>
   </ds:schemaRefs>

--- a/Desain/4. Wareframe/Wareframe Mosacc.pptx
+++ b/Desain/4. Wareframe/Wareframe Mosacc.pptx
@@ -2420,7 +2420,7 @@
           <a:p>
             <a:fld id="{C2C87838-D927-4C90-9765-8B04E7B6897C}" type="datetimeFigureOut">
               <a:rPr lang="id-ID" smtClean="0"/>
-              <a:t>08-10-2019</a:t>
+              <a:t>29-09-2019</a:t>
             </a:fld>
             <a:endParaRPr lang="id-ID"/>
           </a:p>
@@ -2620,7 +2620,7 @@
           <a:p>
             <a:fld id="{C2C87838-D927-4C90-9765-8B04E7B6897C}" type="datetimeFigureOut">
               <a:rPr lang="id-ID" smtClean="0"/>
-              <a:t>08-10-2019</a:t>
+              <a:t>29-09-2019</a:t>
             </a:fld>
             <a:endParaRPr lang="id-ID"/>
           </a:p>
@@ -2830,7 +2830,7 @@
           <a:p>
             <a:fld id="{C2C87838-D927-4C90-9765-8B04E7B6897C}" type="datetimeFigureOut">
               <a:rPr lang="id-ID" smtClean="0"/>
-              <a:t>08-10-2019</a:t>
+              <a:t>29-09-2019</a:t>
             </a:fld>
             <a:endParaRPr lang="id-ID"/>
           </a:p>
@@ -3030,7 +3030,7 @@
           <a:p>
             <a:fld id="{C2C87838-D927-4C90-9765-8B04E7B6897C}" type="datetimeFigureOut">
               <a:rPr lang="id-ID" smtClean="0"/>
-              <a:t>08-10-2019</a:t>
+              <a:t>29-09-2019</a:t>
             </a:fld>
             <a:endParaRPr lang="id-ID"/>
           </a:p>
@@ -3306,7 +3306,7 @@
           <a:p>
             <a:fld id="{C2C87838-D927-4C90-9765-8B04E7B6897C}" type="datetimeFigureOut">
               <a:rPr lang="id-ID" smtClean="0"/>
-              <a:t>08-10-2019</a:t>
+              <a:t>29-09-2019</a:t>
             </a:fld>
             <a:endParaRPr lang="id-ID"/>
           </a:p>
@@ -3574,7 +3574,7 @@
           <a:p>
             <a:fld id="{C2C87838-D927-4C90-9765-8B04E7B6897C}" type="datetimeFigureOut">
               <a:rPr lang="id-ID" smtClean="0"/>
-              <a:t>08-10-2019</a:t>
+              <a:t>29-09-2019</a:t>
             </a:fld>
             <a:endParaRPr lang="id-ID"/>
           </a:p>
@@ -3989,7 +3989,7 @@
           <a:p>
             <a:fld id="{C2C87838-D927-4C90-9765-8B04E7B6897C}" type="datetimeFigureOut">
               <a:rPr lang="id-ID" smtClean="0"/>
-              <a:t>08-10-2019</a:t>
+              <a:t>29-09-2019</a:t>
             </a:fld>
             <a:endParaRPr lang="id-ID"/>
           </a:p>
@@ -4131,7 +4131,7 @@
           <a:p>
             <a:fld id="{C2C87838-D927-4C90-9765-8B04E7B6897C}" type="datetimeFigureOut">
               <a:rPr lang="id-ID" smtClean="0"/>
-              <a:t>08-10-2019</a:t>
+              <a:t>29-09-2019</a:t>
             </a:fld>
             <a:endParaRPr lang="id-ID"/>
           </a:p>
@@ -4244,7 +4244,7 @@
           <a:p>
             <a:fld id="{C2C87838-D927-4C90-9765-8B04E7B6897C}" type="datetimeFigureOut">
               <a:rPr lang="id-ID" smtClean="0"/>
-              <a:t>08-10-2019</a:t>
+              <a:t>29-09-2019</a:t>
             </a:fld>
             <a:endParaRPr lang="id-ID"/>
           </a:p>
@@ -4557,7 +4557,7 @@
           <a:p>
             <a:fld id="{C2C87838-D927-4C90-9765-8B04E7B6897C}" type="datetimeFigureOut">
               <a:rPr lang="id-ID" smtClean="0"/>
-              <a:t>08-10-2019</a:t>
+              <a:t>29-09-2019</a:t>
             </a:fld>
             <a:endParaRPr lang="id-ID"/>
           </a:p>
@@ -4846,7 +4846,7 @@
           <a:p>
             <a:fld id="{C2C87838-D927-4C90-9765-8B04E7B6897C}" type="datetimeFigureOut">
               <a:rPr lang="id-ID" smtClean="0"/>
-              <a:t>08-10-2019</a:t>
+              <a:t>29-09-2019</a:t>
             </a:fld>
             <a:endParaRPr lang="id-ID"/>
           </a:p>
@@ -5089,7 +5089,7 @@
           <a:p>
             <a:fld id="{C2C87838-D927-4C90-9765-8B04E7B6897C}" type="datetimeFigureOut">
               <a:rPr lang="id-ID" smtClean="0"/>
-              <a:t>08-10-2019</a:t>
+              <a:t>29-09-2019</a:t>
             </a:fld>
             <a:endParaRPr lang="id-ID"/>
           </a:p>
@@ -8618,7 +8618,7 @@
         <p:spPr>
           <a:xfrm>
             <a:off x="2585156" y="1603022"/>
-            <a:ext cx="9177866" cy="4524315"/>
+            <a:ext cx="9177866" cy="2031325"/>
           </a:xfrm>
           <a:prstGeom prst="rect">
             <a:avLst/>
@@ -8633,79 +8633,18 @@
           <a:p>
             <a:r>
               <a:rPr lang="id-ID" dirty="0"/>
-              <a:t>Selamat datang di aplikasi </a:t>
-            </a:r>
-            <a:r>
-              <a:rPr lang="id-ID" dirty="0" err="1"/>
-              <a:t>Mosacc</a:t>
-            </a:r>
-            <a:r>
-              <a:rPr lang="id-ID" dirty="0"/>
-              <a:t>, Aplikasi akuntansi masjid.</a:t>
+              <a:t>Selamat datang di aplikasi akuntansi Masjid, aplikasi ini merupakan.........</a:t>
             </a:r>
           </a:p>
           <a:p>
-            <a:endParaRPr lang="id-ID" dirty="0"/>
-          </a:p>
-          <a:p>
             <a:r>
               <a:rPr lang="id-ID" dirty="0" err="1"/>
-              <a:t>Wizard</a:t>
+              <a:t>Sadksjhabv</a:t>
             </a:r>
             <a:r>
               <a:rPr lang="id-ID" dirty="0"/>
-              <a:t> ini akan mengarahkan </a:t>
-            </a:r>
-            <a:r>
-              <a:rPr lang="id-ID" dirty="0" err="1"/>
-              <a:t>anda</a:t>
-            </a:r>
-            <a:r>
-              <a:rPr lang="id-ID" dirty="0"/>
-              <a:t> untuk melakukan setup aplikasi.</a:t>
-            </a:r>
-          </a:p>
-          <a:p>
-            <a:endParaRPr lang="id-ID" dirty="0"/>
-          </a:p>
-          <a:p>
-            <a:r>
-              <a:rPr lang="id-ID" dirty="0"/>
-              <a:t>Klik tombol lanjut, untuk melanjutkan...</a:t>
-            </a:r>
-          </a:p>
-          <a:p>
-            <a:endParaRPr lang="id-ID" dirty="0"/>
-          </a:p>
-          <a:p>
-            <a:endParaRPr lang="id-ID" dirty="0"/>
-          </a:p>
-          <a:p>
-            <a:endParaRPr lang="id-ID" dirty="0"/>
-          </a:p>
-          <a:p>
-            <a:endParaRPr lang="id-ID" dirty="0"/>
-          </a:p>
-          <a:p>
-            <a:endParaRPr lang="id-ID" dirty="0"/>
-          </a:p>
-          <a:p>
-            <a:endParaRPr lang="id-ID" dirty="0"/>
-          </a:p>
-          <a:p>
-            <a:endParaRPr lang="id-ID" dirty="0"/>
-          </a:p>
-          <a:p>
-            <a:endParaRPr lang="id-ID" dirty="0"/>
-          </a:p>
-          <a:p>
-            <a:endParaRPr lang="id-ID" dirty="0"/>
-          </a:p>
-          <a:p>
-            <a:endParaRPr lang="id-ID" dirty="0"/>
-          </a:p>
-          <a:p>
-            <a:endParaRPr lang="id-ID" dirty="0"/>
+              <a:t> cldsa.jgbrahbtgsjymkysthyagvragdsgfrefagfdfgdshhhhhhhhhhhhhhhhhhhhhhhhhhhhhhhhhhhhhhhhhhhhhhhhhhhhhhhhhhgdfhhhhhhhhhhhhhhhhhhhhhhhhhhhhhhhhhhhhhhhhhhhhhhhhhhhhhhhhhhhhhhhhhhhhhhhhhhhhhhhhhhhhhhhhhhhhhhhhhhhhhhhhhhhhhhhhhhhhhhhhhhhhhhhhhhhhhhhhhhhhhhhhhhhhhhhhhhhhhhhhhhhhhhhhhhhhhhhhhhhhhhhhhhhhhhhhhhhhhhhhhhhhhhhhhhhhhhhhhhhhhhhhhhhhnbcnbvcnhgfcndfhgdsghgdnbdgngdfhfxghd</a:t>
+            </a:r>
           </a:p>
         </p:txBody>
       </p:sp>
@@ -18247,7 +18186,7 @@
         <p:spPr>
           <a:xfrm>
             <a:off x="2585156" y="1603022"/>
-            <a:ext cx="9177866" cy="646331"/>
+            <a:ext cx="9177866" cy="1477328"/>
           </a:xfrm>
           <a:prstGeom prst="rect">
             <a:avLst/>
@@ -18266,11 +18205,192 @@
             </a:r>
             <a:r>
               <a:rPr lang="id-ID" dirty="0"/>
-              <a:t>, setup selesai dan aplikasi siap digunakan. </a:t>
-            </a:r>
-          </a:p>
-          <a:p>
-            <a:endParaRPr lang="id-ID" dirty="0"/>
+              <a:t>, setup selesai dan sistem siap digunakan. </a:t>
+            </a:r>
+            <a:r>
+              <a:rPr lang="id-ID" dirty="0" err="1"/>
+              <a:t>Sjafbsdkjvbfdlszbv</a:t>
+            </a:r>
+            <a:r>
+              <a:rPr lang="id-ID" dirty="0"/>
+              <a:t> </a:t>
+            </a:r>
+            <a:r>
+              <a:rPr lang="id-ID" dirty="0" err="1"/>
+              <a:t>hjflkzbnjflzknjblknfvlkz</a:t>
+            </a:r>
+            <a:r>
+              <a:rPr lang="id-ID" dirty="0"/>
+              <a:t>  i </a:t>
+            </a:r>
+            <a:r>
+              <a:rPr lang="id-ID" dirty="0" err="1"/>
+              <a:t>db</a:t>
+            </a:r>
+            <a:r>
+              <a:rPr lang="id-ID" dirty="0"/>
+              <a:t> </a:t>
+            </a:r>
+            <a:r>
+              <a:rPr lang="id-ID" dirty="0" err="1"/>
+              <a:t>dg</a:t>
+            </a:r>
+            <a:r>
+              <a:rPr lang="id-ID" dirty="0"/>
+              <a:t> </a:t>
+            </a:r>
+            <a:r>
+              <a:rPr lang="id-ID" dirty="0" err="1"/>
+              <a:t>jdj</a:t>
+            </a:r>
+            <a:r>
+              <a:rPr lang="id-ID" dirty="0"/>
+              <a:t> </a:t>
+            </a:r>
+            <a:r>
+              <a:rPr lang="id-ID" dirty="0" err="1"/>
+              <a:t>jd</a:t>
+            </a:r>
+            <a:r>
+              <a:rPr lang="id-ID" dirty="0"/>
+              <a:t> </a:t>
+            </a:r>
+            <a:r>
+              <a:rPr lang="id-ID" dirty="0" err="1"/>
+              <a:t>jdkhfjkdhsbv</a:t>
+            </a:r>
+            <a:r>
+              <a:rPr lang="id-ID" dirty="0"/>
+              <a:t> </a:t>
+            </a:r>
+            <a:r>
+              <a:rPr lang="id-ID" dirty="0" err="1"/>
+              <a:t>dsfjbdfb</a:t>
+            </a:r>
+            <a:r>
+              <a:rPr lang="id-ID" dirty="0"/>
+              <a:t> </a:t>
+            </a:r>
+            <a:r>
+              <a:rPr lang="id-ID" dirty="0" err="1"/>
+              <a:t>skdbfjknachgvfia</a:t>
+            </a:r>
+            <a:r>
+              <a:rPr lang="id-ID" dirty="0"/>
+              <a:t> </a:t>
+            </a:r>
+            <a:r>
+              <a:rPr lang="id-ID" dirty="0" err="1"/>
+              <a:t>efhbivoxb</a:t>
+            </a:r>
+            <a:r>
+              <a:rPr lang="id-ID" dirty="0"/>
+              <a:t> </a:t>
+            </a:r>
+            <a:r>
+              <a:rPr lang="id-ID" dirty="0" err="1"/>
+              <a:t>rbfhjkalberuheo;PMKFMVBOHG</a:t>
+            </a:r>
+            <a:r>
+              <a:rPr lang="id-ID" dirty="0"/>
+              <a:t> UIHSI HIHRISJGOTDHJBO;GJYIF;T  JOIYJF OFJOY DLKHJBINGDLITUR SLH N </a:t>
+            </a:r>
+            <a:r>
+              <a:rPr lang="id-ID" dirty="0" err="1"/>
+              <a:t>Hh</a:t>
+            </a:r>
+            <a:r>
+              <a:rPr lang="id-ID" dirty="0"/>
+              <a:t> </a:t>
+            </a:r>
+            <a:r>
+              <a:rPr lang="id-ID" dirty="0" err="1"/>
+              <a:t>lnykldj</a:t>
+            </a:r>
+            <a:r>
+              <a:rPr lang="id-ID" dirty="0"/>
+              <a:t> </a:t>
+            </a:r>
+            <a:r>
+              <a:rPr lang="id-ID" dirty="0" err="1"/>
+              <a:t>jdoijhdm</a:t>
+            </a:r>
+            <a:r>
+              <a:rPr lang="id-ID" dirty="0"/>
+              <a:t> </a:t>
+            </a:r>
+            <a:r>
+              <a:rPr lang="id-ID" dirty="0" err="1"/>
+              <a:t>hoidjh</a:t>
+            </a:r>
+            <a:r>
+              <a:rPr lang="id-ID" dirty="0"/>
+              <a:t> </a:t>
+            </a:r>
+            <a:r>
+              <a:rPr lang="id-ID" dirty="0" err="1"/>
+              <a:t>kmklhvbhnjbvnmcknbk</a:t>
+            </a:r>
+            <a:r>
+              <a:rPr lang="id-ID" dirty="0"/>
+              <a:t> </a:t>
+            </a:r>
+            <a:r>
+              <a:rPr lang="id-ID" dirty="0" err="1"/>
+              <a:t>bvlk</a:t>
+            </a:r>
+            <a:r>
+              <a:rPr lang="id-ID" dirty="0"/>
+              <a:t> </a:t>
+            </a:r>
+            <a:r>
+              <a:rPr lang="id-ID" dirty="0" err="1"/>
+              <a:t>nbvnnok</a:t>
+            </a:r>
+            <a:r>
+              <a:rPr lang="id-ID" dirty="0"/>
+              <a:t> j </a:t>
+            </a:r>
+            <a:r>
+              <a:rPr lang="id-ID" dirty="0" err="1"/>
+              <a:t>nnhniuhn</a:t>
+            </a:r>
+            <a:r>
+              <a:rPr lang="id-ID" dirty="0"/>
+              <a:t> </a:t>
+            </a:r>
+            <a:r>
+              <a:rPr lang="id-ID" dirty="0" err="1"/>
+              <a:t>oimhniuuiulh</a:t>
+            </a:r>
+            <a:r>
+              <a:rPr lang="id-ID" dirty="0"/>
+              <a:t> b8ynoijhybih </a:t>
+            </a:r>
+            <a:r>
+              <a:rPr lang="id-ID" dirty="0" err="1"/>
+              <a:t>oihkjhi</a:t>
+            </a:r>
+            <a:r>
+              <a:rPr lang="id-ID" dirty="0"/>
+              <a:t> nm </a:t>
+            </a:r>
+            <a:r>
+              <a:rPr lang="id-ID" dirty="0" err="1"/>
+              <a:t>oinhoiu</a:t>
+            </a:r>
+            <a:r>
+              <a:rPr lang="id-ID" dirty="0"/>
+              <a:t> 9ih </a:t>
+            </a:r>
+            <a:r>
+              <a:rPr lang="id-ID" dirty="0" err="1"/>
+              <a:t>noji</a:t>
+            </a:r>
+            <a:r>
+              <a:rPr lang="id-ID" dirty="0"/>
+              <a:t> </a:t>
+            </a:r>
           </a:p>
         </p:txBody>
       </p:sp>
@@ -30056,18 +30176,18 @@
 
 <file path=customXml/item1.xml><?xml version="1.0" encoding="utf-8"?>
 <Control xmlns="http://schemas.microsoft.com/VisualStudio/2011/storyboarding/control">
-  <Id Name="System.Storyboarding.WindowsAppIcons.Left" Revision="1" Stencil="System.Storyboarding.WindowsAppIcons" StencilVersion="0.1"/>
+  <Id Name="a2c8d44d-9667-4c53-9e49-e310e6246c4a" RevisionId="9b2c8de1-5094-4c28-9871-718be66a8830" Stencil="172d6d98-e5c9-42e9-a209-79f7a94bbd38" StencilRevisionId="00000000-0000-0000-0000-000000000000" StencilVersion="0.0"/>
 </Control>
 </file>
 
 <file path=customXml/item2.xml><?xml version="1.0" encoding="utf-8"?>
 <Control xmlns="http://schemas.microsoft.com/VisualStudio/2011/storyboarding/control">
-  <Id Name="a2c8d44d-9667-4c53-9e49-e310e6246c4a" RevisionId="9b2c8de1-5094-4c28-9871-718be66a8830" Stencil="172d6d98-e5c9-42e9-a209-79f7a94bbd38" StencilRevisionId="00000000-0000-0000-0000-000000000000" StencilVersion="0.0"/>
+  <Id Name="System.Storyboarding.WindowsAppIcons.Left" Revision="1" Stencil="System.Storyboarding.WindowsAppIcons" StencilVersion="0.1"/>
 </Control>
 </file>
 
 <file path=customXml/itemProps1.xml><?xml version="1.0" encoding="utf-8"?>
-<ds:datastoreItem xmlns:ds="http://schemas.openxmlformats.org/officeDocument/2006/customXml" ds:itemID="{328B2636-50CB-447B-B1F7-79BF6B4D4FC1}">
+<ds:datastoreItem xmlns:ds="http://schemas.openxmlformats.org/officeDocument/2006/customXml" ds:itemID="{F70A2E01-74C0-4C34-BBC6-7043AF99139A}">
   <ds:schemaRefs>
     <ds:schemaRef ds:uri="http://schemas.microsoft.com/VisualStudio/2011/storyboarding/control"/>
   </ds:schemaRefs>
@@ -30075,7 +30195,7 @@
 </file>
 
 <file path=customXml/itemProps2.xml><?xml version="1.0" encoding="utf-8"?>
-<ds:datastoreItem xmlns:ds="http://schemas.openxmlformats.org/officeDocument/2006/customXml" ds:itemID="{F70A2E01-74C0-4C34-BBC6-7043AF99139A}">
+<ds:datastoreItem xmlns:ds="http://schemas.openxmlformats.org/officeDocument/2006/customXml" ds:itemID="{328B2636-50CB-447B-B1F7-79BF6B4D4FC1}">
   <ds:schemaRefs>
     <ds:schemaRef ds:uri="http://schemas.microsoft.com/VisualStudio/2011/storyboarding/control"/>
   </ds:schemaRefs>

--- a/Desain/4. Wareframe/Wareframe Mosacc.pptx
+++ b/Desain/4. Wareframe/Wareframe Mosacc.pptx
@@ -684,533 +684,7 @@
 </c:chartSpace>
 </file>
 
-<file path=ppt/charts/chart2.xml><?xml version="1.0" encoding="utf-8"?>
-<c:chartSpace xmlns:c="http://schemas.openxmlformats.org/drawingml/2006/chart" xmlns:a="http://schemas.openxmlformats.org/drawingml/2006/main" xmlns:r="http://schemas.openxmlformats.org/officeDocument/2006/relationships" xmlns:c16r2="http://schemas.microsoft.com/office/drawing/2015/06/chart">
-  <c:date1904 val="0"/>
-  <c:lang val="en-US"/>
-  <c:roundedCorners val="0"/>
-  <mc:AlternateContent xmlns:mc="http://schemas.openxmlformats.org/markup-compatibility/2006">
-    <mc:Choice xmlns:c14="http://schemas.microsoft.com/office/drawing/2007/8/2/chart" Requires="c14">
-      <c14:style val="102"/>
-    </mc:Choice>
-    <mc:Fallback>
-      <c:style val="2"/>
-    </mc:Fallback>
-  </mc:AlternateContent>
-  <c:chart>
-    <c:title>
-      <c:tx>
-        <c:rich>
-          <a:bodyPr rot="0" spcFirstLastPara="1" vertOverflow="ellipsis" vert="horz" wrap="square" anchor="ctr" anchorCtr="1"/>
-          <a:lstStyle/>
-          <a:p>
-            <a:pPr>
-              <a:defRPr sz="1862" b="0" i="0" u="none" strike="noStrike" kern="1200" spc="0" baseline="0">
-                <a:solidFill>
-                  <a:schemeClr val="tx1">
-                    <a:lumMod val="65000"/>
-                    <a:lumOff val="35000"/>
-                  </a:schemeClr>
-                </a:solidFill>
-                <a:latin typeface="+mn-lt"/>
-                <a:ea typeface="+mn-ea"/>
-                <a:cs typeface="+mn-cs"/>
-              </a:defRPr>
-            </a:pPr>
-            <a:r>
-              <a:rPr lang="id-ID" dirty="0"/>
-              <a:t>Transaksi</a:t>
-            </a:r>
-            <a:r>
-              <a:rPr lang="id-ID" baseline="0" dirty="0"/>
-              <a:t> terbanyak</a:t>
-            </a:r>
-            <a:endParaRPr lang="id-ID" dirty="0"/>
-          </a:p>
-        </c:rich>
-      </c:tx>
-      <c:overlay val="0"/>
-      <c:spPr>
-        <a:noFill/>
-        <a:ln>
-          <a:noFill/>
-        </a:ln>
-        <a:effectLst/>
-      </c:spPr>
-      <c:txPr>
-        <a:bodyPr rot="0" spcFirstLastPara="1" vertOverflow="ellipsis" vert="horz" wrap="square" anchor="ctr" anchorCtr="1"/>
-        <a:lstStyle/>
-        <a:p>
-          <a:pPr>
-            <a:defRPr sz="1862" b="0" i="0" u="none" strike="noStrike" kern="1200" spc="0" baseline="0">
-              <a:solidFill>
-                <a:schemeClr val="tx1">
-                  <a:lumMod val="65000"/>
-                  <a:lumOff val="35000"/>
-                </a:schemeClr>
-              </a:solidFill>
-              <a:latin typeface="+mn-lt"/>
-              <a:ea typeface="+mn-ea"/>
-              <a:cs typeface="+mn-cs"/>
-            </a:defRPr>
-          </a:pPr>
-          <a:endParaRPr lang="id-ID"/>
-        </a:p>
-      </c:txPr>
-    </c:title>
-    <c:autoTitleDeleted val="0"/>
-    <c:plotArea>
-      <c:layout/>
-      <c:barChart>
-        <c:barDir val="bar"/>
-        <c:grouping val="clustered"/>
-        <c:varyColors val="0"/>
-        <c:ser>
-          <c:idx val="0"/>
-          <c:order val="0"/>
-          <c:tx>
-            <c:strRef>
-              <c:f>Sheet1!$B$1</c:f>
-              <c:strCache>
-                <c:ptCount val="1"/>
-                <c:pt idx="0">
-                  <c:v>Series 1</c:v>
-                </c:pt>
-              </c:strCache>
-            </c:strRef>
-          </c:tx>
-          <c:spPr>
-            <a:solidFill>
-              <a:schemeClr val="accent1"/>
-            </a:solidFill>
-            <a:ln>
-              <a:noFill/>
-            </a:ln>
-            <a:effectLst/>
-          </c:spPr>
-          <c:invertIfNegative val="0"/>
-          <c:cat>
-            <c:strRef>
-              <c:f>Sheet1!$A$2:$A$5</c:f>
-              <c:strCache>
-                <c:ptCount val="4"/>
-                <c:pt idx="0">
-                  <c:v>Category 1</c:v>
-                </c:pt>
-                <c:pt idx="1">
-                  <c:v>Category 2</c:v>
-                </c:pt>
-                <c:pt idx="2">
-                  <c:v>Category 3</c:v>
-                </c:pt>
-                <c:pt idx="3">
-                  <c:v>Category 4</c:v>
-                </c:pt>
-              </c:strCache>
-            </c:strRef>
-          </c:cat>
-          <c:val>
-            <c:numRef>
-              <c:f>Sheet1!$B$2:$B$5</c:f>
-              <c:numCache>
-                <c:formatCode>General</c:formatCode>
-                <c:ptCount val="4"/>
-                <c:pt idx="0">
-                  <c:v>4.3</c:v>
-                </c:pt>
-                <c:pt idx="1">
-                  <c:v>2.5</c:v>
-                </c:pt>
-                <c:pt idx="2">
-                  <c:v>3.5</c:v>
-                </c:pt>
-                <c:pt idx="3">
-                  <c:v>4.5</c:v>
-                </c:pt>
-              </c:numCache>
-            </c:numRef>
-          </c:val>
-          <c:extLst>
-            <c:ext xmlns:c16="http://schemas.microsoft.com/office/drawing/2014/chart" uri="{C3380CC4-5D6E-409C-BE32-E72D297353CC}">
-              <c16:uniqueId val="{00000000-DBAB-4E6F-AF5F-0BAA196FEB6C}"/>
-            </c:ext>
-          </c:extLst>
-        </c:ser>
-        <c:ser>
-          <c:idx val="1"/>
-          <c:order val="1"/>
-          <c:tx>
-            <c:strRef>
-              <c:f>Sheet1!$C$1</c:f>
-              <c:strCache>
-                <c:ptCount val="1"/>
-                <c:pt idx="0">
-                  <c:v>Series 2</c:v>
-                </c:pt>
-              </c:strCache>
-            </c:strRef>
-          </c:tx>
-          <c:spPr>
-            <a:solidFill>
-              <a:schemeClr val="accent2"/>
-            </a:solidFill>
-            <a:ln>
-              <a:noFill/>
-            </a:ln>
-            <a:effectLst/>
-          </c:spPr>
-          <c:invertIfNegative val="0"/>
-          <c:cat>
-            <c:strRef>
-              <c:f>Sheet1!$A$2:$A$5</c:f>
-              <c:strCache>
-                <c:ptCount val="4"/>
-                <c:pt idx="0">
-                  <c:v>Category 1</c:v>
-                </c:pt>
-                <c:pt idx="1">
-                  <c:v>Category 2</c:v>
-                </c:pt>
-                <c:pt idx="2">
-                  <c:v>Category 3</c:v>
-                </c:pt>
-                <c:pt idx="3">
-                  <c:v>Category 4</c:v>
-                </c:pt>
-              </c:strCache>
-            </c:strRef>
-          </c:cat>
-          <c:val>
-            <c:numRef>
-              <c:f>Sheet1!$C$2:$C$5</c:f>
-              <c:numCache>
-                <c:formatCode>General</c:formatCode>
-                <c:ptCount val="4"/>
-                <c:pt idx="0">
-                  <c:v>2.4</c:v>
-                </c:pt>
-                <c:pt idx="1">
-                  <c:v>4.4000000000000004</c:v>
-                </c:pt>
-                <c:pt idx="2">
-                  <c:v>1.8</c:v>
-                </c:pt>
-                <c:pt idx="3">
-                  <c:v>2.8</c:v>
-                </c:pt>
-              </c:numCache>
-            </c:numRef>
-          </c:val>
-          <c:extLst>
-            <c:ext xmlns:c16="http://schemas.microsoft.com/office/drawing/2014/chart" uri="{C3380CC4-5D6E-409C-BE32-E72D297353CC}">
-              <c16:uniqueId val="{00000001-DBAB-4E6F-AF5F-0BAA196FEB6C}"/>
-            </c:ext>
-          </c:extLst>
-        </c:ser>
-        <c:ser>
-          <c:idx val="2"/>
-          <c:order val="2"/>
-          <c:tx>
-            <c:strRef>
-              <c:f>Sheet1!$D$1</c:f>
-              <c:strCache>
-                <c:ptCount val="1"/>
-                <c:pt idx="0">
-                  <c:v>Series 3</c:v>
-                </c:pt>
-              </c:strCache>
-            </c:strRef>
-          </c:tx>
-          <c:spPr>
-            <a:solidFill>
-              <a:schemeClr val="accent3"/>
-            </a:solidFill>
-            <a:ln>
-              <a:noFill/>
-            </a:ln>
-            <a:effectLst/>
-          </c:spPr>
-          <c:invertIfNegative val="0"/>
-          <c:cat>
-            <c:strRef>
-              <c:f>Sheet1!$A$2:$A$5</c:f>
-              <c:strCache>
-                <c:ptCount val="4"/>
-                <c:pt idx="0">
-                  <c:v>Category 1</c:v>
-                </c:pt>
-                <c:pt idx="1">
-                  <c:v>Category 2</c:v>
-                </c:pt>
-                <c:pt idx="2">
-                  <c:v>Category 3</c:v>
-                </c:pt>
-                <c:pt idx="3">
-                  <c:v>Category 4</c:v>
-                </c:pt>
-              </c:strCache>
-            </c:strRef>
-          </c:cat>
-          <c:val>
-            <c:numRef>
-              <c:f>Sheet1!$D$2:$D$5</c:f>
-              <c:numCache>
-                <c:formatCode>General</c:formatCode>
-                <c:ptCount val="4"/>
-                <c:pt idx="0">
-                  <c:v>2</c:v>
-                </c:pt>
-                <c:pt idx="1">
-                  <c:v>2</c:v>
-                </c:pt>
-                <c:pt idx="2">
-                  <c:v>3</c:v>
-                </c:pt>
-                <c:pt idx="3">
-                  <c:v>5</c:v>
-                </c:pt>
-              </c:numCache>
-            </c:numRef>
-          </c:val>
-          <c:extLst>
-            <c:ext xmlns:c16="http://schemas.microsoft.com/office/drawing/2014/chart" uri="{C3380CC4-5D6E-409C-BE32-E72D297353CC}">
-              <c16:uniqueId val="{00000002-DBAB-4E6F-AF5F-0BAA196FEB6C}"/>
-            </c:ext>
-          </c:extLst>
-        </c:ser>
-        <c:dLbls>
-          <c:showLegendKey val="0"/>
-          <c:showVal val="0"/>
-          <c:showCatName val="0"/>
-          <c:showSerName val="0"/>
-          <c:showPercent val="0"/>
-          <c:showBubbleSize val="0"/>
-        </c:dLbls>
-        <c:gapWidth val="182"/>
-        <c:axId val="1099235312"/>
-        <c:axId val="1149406400"/>
-      </c:barChart>
-      <c:catAx>
-        <c:axId val="1099235312"/>
-        <c:scaling>
-          <c:orientation val="minMax"/>
-        </c:scaling>
-        <c:delete val="0"/>
-        <c:axPos val="l"/>
-        <c:numFmt formatCode="General" sourceLinked="1"/>
-        <c:majorTickMark val="none"/>
-        <c:minorTickMark val="none"/>
-        <c:tickLblPos val="nextTo"/>
-        <c:spPr>
-          <a:noFill/>
-          <a:ln w="9525" cap="flat" cmpd="sng" algn="ctr">
-            <a:solidFill>
-              <a:schemeClr val="tx1">
-                <a:lumMod val="15000"/>
-                <a:lumOff val="85000"/>
-              </a:schemeClr>
-            </a:solidFill>
-            <a:round/>
-          </a:ln>
-          <a:effectLst/>
-        </c:spPr>
-        <c:txPr>
-          <a:bodyPr rot="-60000000" spcFirstLastPara="1" vertOverflow="ellipsis" vert="horz" wrap="square" anchor="ctr" anchorCtr="1"/>
-          <a:lstStyle/>
-          <a:p>
-            <a:pPr>
-              <a:defRPr sz="1197" b="0" i="0" u="none" strike="noStrike" kern="1200" baseline="0">
-                <a:solidFill>
-                  <a:schemeClr val="tx1">
-                    <a:lumMod val="65000"/>
-                    <a:lumOff val="35000"/>
-                  </a:schemeClr>
-                </a:solidFill>
-                <a:latin typeface="+mn-lt"/>
-                <a:ea typeface="+mn-ea"/>
-                <a:cs typeface="+mn-cs"/>
-              </a:defRPr>
-            </a:pPr>
-            <a:endParaRPr lang="id-ID"/>
-          </a:p>
-        </c:txPr>
-        <c:crossAx val="1149406400"/>
-        <c:crosses val="autoZero"/>
-        <c:auto val="1"/>
-        <c:lblAlgn val="ctr"/>
-        <c:lblOffset val="100"/>
-        <c:noMultiLvlLbl val="0"/>
-      </c:catAx>
-      <c:valAx>
-        <c:axId val="1149406400"/>
-        <c:scaling>
-          <c:orientation val="minMax"/>
-        </c:scaling>
-        <c:delete val="0"/>
-        <c:axPos val="b"/>
-        <c:majorGridlines>
-          <c:spPr>
-            <a:ln w="9525" cap="flat" cmpd="sng" algn="ctr">
-              <a:solidFill>
-                <a:schemeClr val="tx1">
-                  <a:lumMod val="15000"/>
-                  <a:lumOff val="85000"/>
-                </a:schemeClr>
-              </a:solidFill>
-              <a:round/>
-            </a:ln>
-            <a:effectLst/>
-          </c:spPr>
-        </c:majorGridlines>
-        <c:numFmt formatCode="General" sourceLinked="1"/>
-        <c:majorTickMark val="none"/>
-        <c:minorTickMark val="none"/>
-        <c:tickLblPos val="nextTo"/>
-        <c:spPr>
-          <a:noFill/>
-          <a:ln>
-            <a:noFill/>
-          </a:ln>
-          <a:effectLst/>
-        </c:spPr>
-        <c:txPr>
-          <a:bodyPr rot="-60000000" spcFirstLastPara="1" vertOverflow="ellipsis" vert="horz" wrap="square" anchor="ctr" anchorCtr="1"/>
-          <a:lstStyle/>
-          <a:p>
-            <a:pPr>
-              <a:defRPr sz="1197" b="0" i="0" u="none" strike="noStrike" kern="1200" baseline="0">
-                <a:solidFill>
-                  <a:schemeClr val="tx1">
-                    <a:lumMod val="65000"/>
-                    <a:lumOff val="35000"/>
-                  </a:schemeClr>
-                </a:solidFill>
-                <a:latin typeface="+mn-lt"/>
-                <a:ea typeface="+mn-ea"/>
-                <a:cs typeface="+mn-cs"/>
-              </a:defRPr>
-            </a:pPr>
-            <a:endParaRPr lang="id-ID"/>
-          </a:p>
-        </c:txPr>
-        <c:crossAx val="1099235312"/>
-        <c:crosses val="autoZero"/>
-        <c:crossBetween val="between"/>
-      </c:valAx>
-      <c:spPr>
-        <a:noFill/>
-        <a:ln>
-          <a:noFill/>
-        </a:ln>
-        <a:effectLst/>
-      </c:spPr>
-    </c:plotArea>
-    <c:legend>
-      <c:legendPos val="b"/>
-      <c:overlay val="0"/>
-      <c:spPr>
-        <a:noFill/>
-        <a:ln>
-          <a:noFill/>
-        </a:ln>
-        <a:effectLst/>
-      </c:spPr>
-      <c:txPr>
-        <a:bodyPr rot="0" spcFirstLastPara="1" vertOverflow="ellipsis" vert="horz" wrap="square" anchor="ctr" anchorCtr="1"/>
-        <a:lstStyle/>
-        <a:p>
-          <a:pPr>
-            <a:defRPr sz="1197" b="0" i="0" u="none" strike="noStrike" kern="1200" baseline="0">
-              <a:solidFill>
-                <a:schemeClr val="tx1">
-                  <a:lumMod val="65000"/>
-                  <a:lumOff val="35000"/>
-                </a:schemeClr>
-              </a:solidFill>
-              <a:latin typeface="+mn-lt"/>
-              <a:ea typeface="+mn-ea"/>
-              <a:cs typeface="+mn-cs"/>
-            </a:defRPr>
-          </a:pPr>
-          <a:endParaRPr lang="id-ID"/>
-        </a:p>
-      </c:txPr>
-    </c:legend>
-    <c:plotVisOnly val="1"/>
-    <c:dispBlanksAs val="gap"/>
-    <c:extLst>
-      <c:ext xmlns:c16r3="http://schemas.microsoft.com/office/drawing/2017/03/chart" uri="{56B9EC1D-385E-4148-901F-78D8002777C0}">
-        <c16r3:dataDisplayOptions16>
-          <c16r3:dispNaAsBlank val="1"/>
-        </c16r3:dataDisplayOptions16>
-      </c:ext>
-    </c:extLst>
-    <c:showDLblsOverMax val="0"/>
-  </c:chart>
-  <c:spPr>
-    <a:noFill/>
-    <a:ln>
-      <a:noFill/>
-    </a:ln>
-    <a:effectLst/>
-  </c:spPr>
-  <c:txPr>
-    <a:bodyPr/>
-    <a:lstStyle/>
-    <a:p>
-      <a:pPr>
-        <a:defRPr/>
-      </a:pPr>
-      <a:endParaRPr lang="id-ID"/>
-    </a:p>
-  </c:txPr>
-  <c:externalData r:id="rId3">
-    <c:autoUpdate val="0"/>
-  </c:externalData>
-</c:chartSpace>
-</file>
-
 <file path=ppt/charts/colors1.xml><?xml version="1.0" encoding="utf-8"?>
-<cs:colorStyle xmlns:cs="http://schemas.microsoft.com/office/drawing/2012/chartStyle" xmlns:a="http://schemas.openxmlformats.org/drawingml/2006/main" meth="cycle" id="10">
-  <a:schemeClr val="accent1"/>
-  <a:schemeClr val="accent2"/>
-  <a:schemeClr val="accent3"/>
-  <a:schemeClr val="accent4"/>
-  <a:schemeClr val="accent5"/>
-  <a:schemeClr val="accent6"/>
-  <cs:variation/>
-  <cs:variation>
-    <a:lumMod val="60000"/>
-  </cs:variation>
-  <cs:variation>
-    <a:lumMod val="80000"/>
-    <a:lumOff val="20000"/>
-  </cs:variation>
-  <cs:variation>
-    <a:lumMod val="80000"/>
-  </cs:variation>
-  <cs:variation>
-    <a:lumMod val="60000"/>
-    <a:lumOff val="40000"/>
-  </cs:variation>
-  <cs:variation>
-    <a:lumMod val="50000"/>
-  </cs:variation>
-  <cs:variation>
-    <a:lumMod val="70000"/>
-    <a:lumOff val="30000"/>
-  </cs:variation>
-  <cs:variation>
-    <a:lumMod val="70000"/>
-  </cs:variation>
-  <cs:variation>
-    <a:lumMod val="50000"/>
-    <a:lumOff val="50000"/>
-  </cs:variation>
-</cs:colorStyle>
-</file>
-
-<file path=ppt/charts/colors2.xml><?xml version="1.0" encoding="utf-8"?>
 <cs:colorStyle xmlns:cs="http://schemas.microsoft.com/office/drawing/2012/chartStyle" xmlns:a="http://schemas.openxmlformats.org/drawingml/2006/main" meth="cycle" id="10">
   <a:schemeClr val="accent1"/>
   <a:schemeClr val="accent2"/>
@@ -1766,511 +1240,6 @@
 </cs:chartStyle>
 </file>
 
-<file path=ppt/charts/style2.xml><?xml version="1.0" encoding="utf-8"?>
-<cs:chartStyle xmlns:cs="http://schemas.microsoft.com/office/drawing/2012/chartStyle" xmlns:a="http://schemas.openxmlformats.org/drawingml/2006/main" id="216">
-  <cs:axisTitle>
-    <cs:lnRef idx="0"/>
-    <cs:fillRef idx="0"/>
-    <cs:effectRef idx="0"/>
-    <cs:fontRef idx="minor">
-      <a:schemeClr val="tx1">
-        <a:lumMod val="65000"/>
-        <a:lumOff val="35000"/>
-      </a:schemeClr>
-    </cs:fontRef>
-    <cs:defRPr sz="1330" kern="1200"/>
-  </cs:axisTitle>
-  <cs:categoryAxis>
-    <cs:lnRef idx="0"/>
-    <cs:fillRef idx="0"/>
-    <cs:effectRef idx="0"/>
-    <cs:fontRef idx="minor">
-      <a:schemeClr val="tx1">
-        <a:lumMod val="65000"/>
-        <a:lumOff val="35000"/>
-      </a:schemeClr>
-    </cs:fontRef>
-    <cs:spPr>
-      <a:ln w="9525" cap="flat" cmpd="sng" algn="ctr">
-        <a:solidFill>
-          <a:schemeClr val="tx1">
-            <a:lumMod val="15000"/>
-            <a:lumOff val="85000"/>
-          </a:schemeClr>
-        </a:solidFill>
-        <a:round/>
-      </a:ln>
-    </cs:spPr>
-    <cs:defRPr sz="1197" kern="1200"/>
-  </cs:categoryAxis>
-  <cs:chartArea mods="allowNoFillOverride allowNoLineOverride">
-    <cs:lnRef idx="0"/>
-    <cs:fillRef idx="0"/>
-    <cs:effectRef idx="0"/>
-    <cs:fontRef idx="minor">
-      <a:schemeClr val="tx1"/>
-    </cs:fontRef>
-    <cs:spPr>
-      <a:solidFill>
-        <a:schemeClr val="bg1"/>
-      </a:solidFill>
-      <a:ln w="9525" cap="flat" cmpd="sng" algn="ctr">
-        <a:solidFill>
-          <a:schemeClr val="tx1">
-            <a:lumMod val="15000"/>
-            <a:lumOff val="85000"/>
-          </a:schemeClr>
-        </a:solidFill>
-        <a:round/>
-      </a:ln>
-    </cs:spPr>
-    <cs:defRPr sz="1330" kern="1200"/>
-  </cs:chartArea>
-  <cs:dataLabel>
-    <cs:lnRef idx="0"/>
-    <cs:fillRef idx="0"/>
-    <cs:effectRef idx="0"/>
-    <cs:fontRef idx="minor">
-      <a:schemeClr val="tx1">
-        <a:lumMod val="75000"/>
-        <a:lumOff val="25000"/>
-      </a:schemeClr>
-    </cs:fontRef>
-    <cs:defRPr sz="1197" kern="1200"/>
-  </cs:dataLabel>
-  <cs:dataLabelCallout>
-    <cs:lnRef idx="0"/>
-    <cs:fillRef idx="0"/>
-    <cs:effectRef idx="0"/>
-    <cs:fontRef idx="minor">
-      <a:schemeClr val="dk1">
-        <a:lumMod val="65000"/>
-        <a:lumOff val="35000"/>
-      </a:schemeClr>
-    </cs:fontRef>
-    <cs:spPr>
-      <a:solidFill>
-        <a:schemeClr val="lt1"/>
-      </a:solidFill>
-      <a:ln>
-        <a:solidFill>
-          <a:schemeClr val="dk1">
-            <a:lumMod val="25000"/>
-            <a:lumOff val="75000"/>
-          </a:schemeClr>
-        </a:solidFill>
-      </a:ln>
-    </cs:spPr>
-    <cs:defRPr sz="1197" kern="1200"/>
-    <cs:bodyPr rot="0" spcFirstLastPara="1" vertOverflow="clip" horzOverflow="clip" vert="horz" wrap="square" lIns="36576" tIns="18288" rIns="36576" bIns="18288" anchor="ctr" anchorCtr="1">
-      <a:spAutoFit/>
-    </cs:bodyPr>
-  </cs:dataLabelCallout>
-  <cs:dataPoint>
-    <cs:lnRef idx="0"/>
-    <cs:fillRef idx="1">
-      <cs:styleClr val="auto"/>
-    </cs:fillRef>
-    <cs:effectRef idx="0"/>
-    <cs:fontRef idx="minor">
-      <a:schemeClr val="tx1"/>
-    </cs:fontRef>
-  </cs:dataPoint>
-  <cs:dataPoint3D>
-    <cs:lnRef idx="0"/>
-    <cs:fillRef idx="1">
-      <cs:styleClr val="auto"/>
-    </cs:fillRef>
-    <cs:effectRef idx="0"/>
-    <cs:fontRef idx="minor">
-      <a:schemeClr val="tx1"/>
-    </cs:fontRef>
-  </cs:dataPoint3D>
-  <cs:dataPointLine>
-    <cs:lnRef idx="0">
-      <cs:styleClr val="auto"/>
-    </cs:lnRef>
-    <cs:fillRef idx="1"/>
-    <cs:effectRef idx="0"/>
-    <cs:fontRef idx="minor">
-      <a:schemeClr val="tx1"/>
-    </cs:fontRef>
-    <cs:spPr>
-      <a:ln w="28575" cap="rnd">
-        <a:solidFill>
-          <a:schemeClr val="phClr"/>
-        </a:solidFill>
-        <a:round/>
-      </a:ln>
-    </cs:spPr>
-  </cs:dataPointLine>
-  <cs:dataPointMarker>
-    <cs:lnRef idx="0">
-      <cs:styleClr val="auto"/>
-    </cs:lnRef>
-    <cs:fillRef idx="1">
-      <cs:styleClr val="auto"/>
-    </cs:fillRef>
-    <cs:effectRef idx="0"/>
-    <cs:fontRef idx="minor">
-      <a:schemeClr val="tx1"/>
-    </cs:fontRef>
-    <cs:spPr>
-      <a:ln w="9525">
-        <a:solidFill>
-          <a:schemeClr val="phClr"/>
-        </a:solidFill>
-      </a:ln>
-    </cs:spPr>
-  </cs:dataPointMarker>
-  <cs:dataPointMarkerLayout symbol="circle" size="5"/>
-  <cs:dataPointWireframe>
-    <cs:lnRef idx="0">
-      <cs:styleClr val="auto"/>
-    </cs:lnRef>
-    <cs:fillRef idx="1"/>
-    <cs:effectRef idx="0"/>
-    <cs:fontRef idx="minor">
-      <a:schemeClr val="tx1"/>
-    </cs:fontRef>
-    <cs:spPr>
-      <a:ln w="9525" cap="rnd">
-        <a:solidFill>
-          <a:schemeClr val="phClr"/>
-        </a:solidFill>
-        <a:round/>
-      </a:ln>
-    </cs:spPr>
-  </cs:dataPointWireframe>
-  <cs:dataTable>
-    <cs:lnRef idx="0"/>
-    <cs:fillRef idx="0"/>
-    <cs:effectRef idx="0"/>
-    <cs:fontRef idx="minor">
-      <a:schemeClr val="tx1">
-        <a:lumMod val="65000"/>
-        <a:lumOff val="35000"/>
-      </a:schemeClr>
-    </cs:fontRef>
-    <cs:spPr>
-      <a:noFill/>
-      <a:ln w="9525" cap="flat" cmpd="sng" algn="ctr">
-        <a:solidFill>
-          <a:schemeClr val="tx1">
-            <a:lumMod val="15000"/>
-            <a:lumOff val="85000"/>
-          </a:schemeClr>
-        </a:solidFill>
-        <a:round/>
-      </a:ln>
-    </cs:spPr>
-    <cs:defRPr sz="1197" kern="1200"/>
-  </cs:dataTable>
-  <cs:downBar>
-    <cs:lnRef idx="0"/>
-    <cs:fillRef idx="0"/>
-    <cs:effectRef idx="0"/>
-    <cs:fontRef idx="minor">
-      <a:schemeClr val="tx1"/>
-    </cs:fontRef>
-    <cs:spPr>
-      <a:solidFill>
-        <a:schemeClr val="dk1">
-          <a:lumMod val="75000"/>
-          <a:lumOff val="25000"/>
-        </a:schemeClr>
-      </a:solidFill>
-      <a:ln w="9525" cap="flat" cmpd="sng" algn="ctr">
-        <a:solidFill>
-          <a:schemeClr val="tx1">
-            <a:lumMod val="65000"/>
-            <a:lumOff val="35000"/>
-          </a:schemeClr>
-        </a:solidFill>
-        <a:round/>
-      </a:ln>
-    </cs:spPr>
-  </cs:downBar>
-  <cs:dropLine>
-    <cs:lnRef idx="0"/>
-    <cs:fillRef idx="0"/>
-    <cs:effectRef idx="0"/>
-    <cs:fontRef idx="minor">
-      <a:schemeClr val="tx1"/>
-    </cs:fontRef>
-    <cs:spPr>
-      <a:ln w="9525" cap="flat" cmpd="sng" algn="ctr">
-        <a:solidFill>
-          <a:schemeClr val="tx1">
-            <a:lumMod val="35000"/>
-            <a:lumOff val="65000"/>
-          </a:schemeClr>
-        </a:solidFill>
-        <a:round/>
-      </a:ln>
-    </cs:spPr>
-  </cs:dropLine>
-  <cs:errorBar>
-    <cs:lnRef idx="0"/>
-    <cs:fillRef idx="0"/>
-    <cs:effectRef idx="0"/>
-    <cs:fontRef idx="minor">
-      <a:schemeClr val="tx1"/>
-    </cs:fontRef>
-    <cs:spPr>
-      <a:ln w="9525" cap="flat" cmpd="sng" algn="ctr">
-        <a:solidFill>
-          <a:schemeClr val="tx1">
-            <a:lumMod val="65000"/>
-            <a:lumOff val="35000"/>
-          </a:schemeClr>
-        </a:solidFill>
-        <a:round/>
-      </a:ln>
-    </cs:spPr>
-  </cs:errorBar>
-  <cs:floor>
-    <cs:lnRef idx="0"/>
-    <cs:fillRef idx="0"/>
-    <cs:effectRef idx="0"/>
-    <cs:fontRef idx="minor">
-      <a:schemeClr val="tx1"/>
-    </cs:fontRef>
-    <cs:spPr>
-      <a:noFill/>
-      <a:ln>
-        <a:noFill/>
-      </a:ln>
-    </cs:spPr>
-  </cs:floor>
-  <cs:gridlineMajor>
-    <cs:lnRef idx="0"/>
-    <cs:fillRef idx="0"/>
-    <cs:effectRef idx="0"/>
-    <cs:fontRef idx="minor">
-      <a:schemeClr val="tx1"/>
-    </cs:fontRef>
-    <cs:spPr>
-      <a:ln w="9525" cap="flat" cmpd="sng" algn="ctr">
-        <a:solidFill>
-          <a:schemeClr val="tx1">
-            <a:lumMod val="15000"/>
-            <a:lumOff val="85000"/>
-          </a:schemeClr>
-        </a:solidFill>
-        <a:round/>
-      </a:ln>
-    </cs:spPr>
-  </cs:gridlineMajor>
-  <cs:gridlineMinor>
-    <cs:lnRef idx="0"/>
-    <cs:fillRef idx="0"/>
-    <cs:effectRef idx="0"/>
-    <cs:fontRef idx="minor">
-      <a:schemeClr val="tx1"/>
-    </cs:fontRef>
-    <cs:spPr>
-      <a:ln w="9525" cap="flat" cmpd="sng" algn="ctr">
-        <a:solidFill>
-          <a:schemeClr val="tx1">
-            <a:lumMod val="5000"/>
-            <a:lumOff val="95000"/>
-          </a:schemeClr>
-        </a:solidFill>
-        <a:round/>
-      </a:ln>
-    </cs:spPr>
-  </cs:gridlineMinor>
-  <cs:hiLoLine>
-    <cs:lnRef idx="0"/>
-    <cs:fillRef idx="0"/>
-    <cs:effectRef idx="0"/>
-    <cs:fontRef idx="minor">
-      <a:schemeClr val="tx1"/>
-    </cs:fontRef>
-    <cs:spPr>
-      <a:ln w="9525" cap="flat" cmpd="sng" algn="ctr">
-        <a:solidFill>
-          <a:schemeClr val="tx1">
-            <a:lumMod val="50000"/>
-            <a:lumOff val="50000"/>
-          </a:schemeClr>
-        </a:solidFill>
-        <a:round/>
-      </a:ln>
-    </cs:spPr>
-  </cs:hiLoLine>
-  <cs:leaderLine>
-    <cs:lnRef idx="0"/>
-    <cs:fillRef idx="0"/>
-    <cs:effectRef idx="0"/>
-    <cs:fontRef idx="minor">
-      <a:schemeClr val="tx1"/>
-    </cs:fontRef>
-    <cs:spPr>
-      <a:ln w="9525" cap="flat" cmpd="sng" algn="ctr">
-        <a:solidFill>
-          <a:schemeClr val="tx1">
-            <a:lumMod val="35000"/>
-            <a:lumOff val="65000"/>
-          </a:schemeClr>
-        </a:solidFill>
-        <a:round/>
-      </a:ln>
-    </cs:spPr>
-  </cs:leaderLine>
-  <cs:legend>
-    <cs:lnRef idx="0"/>
-    <cs:fillRef idx="0"/>
-    <cs:effectRef idx="0"/>
-    <cs:fontRef idx="minor">
-      <a:schemeClr val="tx1">
-        <a:lumMod val="65000"/>
-        <a:lumOff val="35000"/>
-      </a:schemeClr>
-    </cs:fontRef>
-    <cs:defRPr sz="1197" kern="1200"/>
-  </cs:legend>
-  <cs:plotArea mods="allowNoFillOverride allowNoLineOverride">
-    <cs:lnRef idx="0"/>
-    <cs:fillRef idx="0"/>
-    <cs:effectRef idx="0"/>
-    <cs:fontRef idx="minor">
-      <a:schemeClr val="tx1"/>
-    </cs:fontRef>
-  </cs:plotArea>
-  <cs:plotArea3D mods="allowNoFillOverride allowNoLineOverride">
-    <cs:lnRef idx="0"/>
-    <cs:fillRef idx="0"/>
-    <cs:effectRef idx="0"/>
-    <cs:fontRef idx="minor">
-      <a:schemeClr val="tx1"/>
-    </cs:fontRef>
-  </cs:plotArea3D>
-  <cs:seriesAxis>
-    <cs:lnRef idx="0"/>
-    <cs:fillRef idx="0"/>
-    <cs:effectRef idx="0"/>
-    <cs:fontRef idx="minor">
-      <a:schemeClr val="tx1">
-        <a:lumMod val="65000"/>
-        <a:lumOff val="35000"/>
-      </a:schemeClr>
-    </cs:fontRef>
-    <cs:defRPr sz="1197" kern="1200"/>
-  </cs:seriesAxis>
-  <cs:seriesLine>
-    <cs:lnRef idx="0"/>
-    <cs:fillRef idx="0"/>
-    <cs:effectRef idx="0"/>
-    <cs:fontRef idx="minor">
-      <a:schemeClr val="tx1"/>
-    </cs:fontRef>
-    <cs:spPr>
-      <a:ln w="9525" cap="flat" cmpd="sng" algn="ctr">
-        <a:solidFill>
-          <a:schemeClr val="tx1">
-            <a:lumMod val="35000"/>
-            <a:lumOff val="65000"/>
-          </a:schemeClr>
-        </a:solidFill>
-        <a:round/>
-      </a:ln>
-    </cs:spPr>
-  </cs:seriesLine>
-  <cs:title>
-    <cs:lnRef idx="0"/>
-    <cs:fillRef idx="0"/>
-    <cs:effectRef idx="0"/>
-    <cs:fontRef idx="minor">
-      <a:schemeClr val="tx1">
-        <a:lumMod val="65000"/>
-        <a:lumOff val="35000"/>
-      </a:schemeClr>
-    </cs:fontRef>
-    <cs:defRPr sz="1862" b="0" kern="1200" spc="0" baseline="0"/>
-  </cs:title>
-  <cs:trendline>
-    <cs:lnRef idx="0">
-      <cs:styleClr val="auto"/>
-    </cs:lnRef>
-    <cs:fillRef idx="0"/>
-    <cs:effectRef idx="0"/>
-    <cs:fontRef idx="minor">
-      <a:schemeClr val="tx1"/>
-    </cs:fontRef>
-    <cs:spPr>
-      <a:ln w="19050" cap="rnd">
-        <a:solidFill>
-          <a:schemeClr val="phClr"/>
-        </a:solidFill>
-        <a:prstDash val="sysDot"/>
-      </a:ln>
-    </cs:spPr>
-  </cs:trendline>
-  <cs:trendlineLabel>
-    <cs:lnRef idx="0"/>
-    <cs:fillRef idx="0"/>
-    <cs:effectRef idx="0"/>
-    <cs:fontRef idx="minor">
-      <a:schemeClr val="tx1">
-        <a:lumMod val="65000"/>
-        <a:lumOff val="35000"/>
-      </a:schemeClr>
-    </cs:fontRef>
-    <cs:defRPr sz="1197" kern="1200"/>
-  </cs:trendlineLabel>
-  <cs:upBar>
-    <cs:lnRef idx="0"/>
-    <cs:fillRef idx="0"/>
-    <cs:effectRef idx="0"/>
-    <cs:fontRef idx="minor">
-      <a:schemeClr val="tx1"/>
-    </cs:fontRef>
-    <cs:spPr>
-      <a:solidFill>
-        <a:schemeClr val="lt1"/>
-      </a:solidFill>
-      <a:ln w="9525" cap="flat" cmpd="sng" algn="ctr">
-        <a:solidFill>
-          <a:schemeClr val="tx1">
-            <a:lumMod val="65000"/>
-            <a:lumOff val="35000"/>
-          </a:schemeClr>
-        </a:solidFill>
-        <a:round/>
-      </a:ln>
-    </cs:spPr>
-  </cs:upBar>
-  <cs:valueAxis>
-    <cs:lnRef idx="0"/>
-    <cs:fillRef idx="0"/>
-    <cs:effectRef idx="0"/>
-    <cs:fontRef idx="minor">
-      <a:schemeClr val="tx1">
-        <a:lumMod val="65000"/>
-        <a:lumOff val="35000"/>
-      </a:schemeClr>
-    </cs:fontRef>
-    <cs:defRPr sz="1197" kern="1200"/>
-  </cs:valueAxis>
-  <cs:wall>
-    <cs:lnRef idx="0"/>
-    <cs:fillRef idx="0"/>
-    <cs:effectRef idx="0"/>
-    <cs:fontRef idx="minor">
-      <a:schemeClr val="tx1"/>
-    </cs:fontRef>
-    <cs:spPr>
-      <a:noFill/>
-      <a:ln>
-        <a:noFill/>
-      </a:ln>
-    </cs:spPr>
-  </cs:wall>
-</cs:chartStyle>
-</file>
-
 <file path=ppt/slideLayouts/slideLayout1.xml><?xml version="1.0" encoding="utf-8"?>
 <p:sldLayout xmlns:a="http://schemas.openxmlformats.org/drawingml/2006/main" xmlns:r="http://schemas.openxmlformats.org/officeDocument/2006/relationships" xmlns:p="http://schemas.openxmlformats.org/presentationml/2006/main" type="title" preserve="1">
   <p:cSld name="Title Slide">
@@ -2420,7 +1389,7 @@
           <a:p>
             <a:fld id="{C2C87838-D927-4C90-9765-8B04E7B6897C}" type="datetimeFigureOut">
               <a:rPr lang="id-ID" smtClean="0"/>
-              <a:t>08-10-2019</a:t>
+              <a:t>15-10-2019</a:t>
             </a:fld>
             <a:endParaRPr lang="id-ID"/>
           </a:p>
@@ -2620,7 +1589,7 @@
           <a:p>
             <a:fld id="{C2C87838-D927-4C90-9765-8B04E7B6897C}" type="datetimeFigureOut">
               <a:rPr lang="id-ID" smtClean="0"/>
-              <a:t>08-10-2019</a:t>
+              <a:t>15-10-2019</a:t>
             </a:fld>
             <a:endParaRPr lang="id-ID"/>
           </a:p>
@@ -2830,7 +1799,7 @@
           <a:p>
             <a:fld id="{C2C87838-D927-4C90-9765-8B04E7B6897C}" type="datetimeFigureOut">
               <a:rPr lang="id-ID" smtClean="0"/>
-              <a:t>08-10-2019</a:t>
+              <a:t>15-10-2019</a:t>
             </a:fld>
             <a:endParaRPr lang="id-ID"/>
           </a:p>
@@ -3030,7 +1999,7 @@
           <a:p>
             <a:fld id="{C2C87838-D927-4C90-9765-8B04E7B6897C}" type="datetimeFigureOut">
               <a:rPr lang="id-ID" smtClean="0"/>
-              <a:t>08-10-2019</a:t>
+              <a:t>15-10-2019</a:t>
             </a:fld>
             <a:endParaRPr lang="id-ID"/>
           </a:p>
@@ -3306,7 +2275,7 @@
           <a:p>
             <a:fld id="{C2C87838-D927-4C90-9765-8B04E7B6897C}" type="datetimeFigureOut">
               <a:rPr lang="id-ID" smtClean="0"/>
-              <a:t>08-10-2019</a:t>
+              <a:t>15-10-2019</a:t>
             </a:fld>
             <a:endParaRPr lang="id-ID"/>
           </a:p>
@@ -3574,7 +2543,7 @@
           <a:p>
             <a:fld id="{C2C87838-D927-4C90-9765-8B04E7B6897C}" type="datetimeFigureOut">
               <a:rPr lang="id-ID" smtClean="0"/>
-              <a:t>08-10-2019</a:t>
+              <a:t>15-10-2019</a:t>
             </a:fld>
             <a:endParaRPr lang="id-ID"/>
           </a:p>
@@ -3989,7 +2958,7 @@
           <a:p>
             <a:fld id="{C2C87838-D927-4C90-9765-8B04E7B6897C}" type="datetimeFigureOut">
               <a:rPr lang="id-ID" smtClean="0"/>
-              <a:t>08-10-2019</a:t>
+              <a:t>15-10-2019</a:t>
             </a:fld>
             <a:endParaRPr lang="id-ID"/>
           </a:p>
@@ -4131,7 +3100,7 @@
           <a:p>
             <a:fld id="{C2C87838-D927-4C90-9765-8B04E7B6897C}" type="datetimeFigureOut">
               <a:rPr lang="id-ID" smtClean="0"/>
-              <a:t>08-10-2019</a:t>
+              <a:t>15-10-2019</a:t>
             </a:fld>
             <a:endParaRPr lang="id-ID"/>
           </a:p>
@@ -4244,7 +3213,7 @@
           <a:p>
             <a:fld id="{C2C87838-D927-4C90-9765-8B04E7B6897C}" type="datetimeFigureOut">
               <a:rPr lang="id-ID" smtClean="0"/>
-              <a:t>08-10-2019</a:t>
+              <a:t>15-10-2019</a:t>
             </a:fld>
             <a:endParaRPr lang="id-ID"/>
           </a:p>
@@ -4557,7 +3526,7 @@
           <a:p>
             <a:fld id="{C2C87838-D927-4C90-9765-8B04E7B6897C}" type="datetimeFigureOut">
               <a:rPr lang="id-ID" smtClean="0"/>
-              <a:t>08-10-2019</a:t>
+              <a:t>15-10-2019</a:t>
             </a:fld>
             <a:endParaRPr lang="id-ID"/>
           </a:p>
@@ -4846,7 +3815,7 @@
           <a:p>
             <a:fld id="{C2C87838-D927-4C90-9765-8B04E7B6897C}" type="datetimeFigureOut">
               <a:rPr lang="id-ID" smtClean="0"/>
-              <a:t>08-10-2019</a:t>
+              <a:t>15-10-2019</a:t>
             </a:fld>
             <a:endParaRPr lang="id-ID"/>
           </a:p>
@@ -5089,7 +4058,7 @@
           <a:p>
             <a:fld id="{C2C87838-D927-4C90-9765-8B04E7B6897C}" type="datetimeFigureOut">
               <a:rPr lang="id-ID" smtClean="0"/>
-              <a:t>08-10-2019</a:t>
+              <a:t>15-10-2019</a:t>
             </a:fld>
             <a:endParaRPr lang="id-ID"/>
           </a:p>
@@ -21965,7 +20934,7 @@
         </p:nvSpPr>
         <p:spPr>
           <a:xfrm>
-            <a:off x="-1" y="-23039"/>
+            <a:off x="-1" y="-68759"/>
             <a:ext cx="12191979" cy="6881039"/>
           </a:xfrm>
           <a:prstGeom prst="rect">
@@ -22470,14 +21439,14 @@
           <p:nvPr>
             <p:extLst>
               <p:ext uri="{D42A27DB-BD31-4B8C-83A1-F6EECF244321}">
-                <p14:modId xmlns:p14="http://schemas.microsoft.com/office/powerpoint/2010/main" val="1587773943"/>
+                <p14:modId xmlns:p14="http://schemas.microsoft.com/office/powerpoint/2010/main" val="1056161278"/>
               </p:ext>
             </p:extLst>
           </p:nvPr>
         </p:nvGraphicFramePr>
         <p:xfrm>
-          <a:off x="999499" y="785086"/>
-          <a:ext cx="10957172" cy="950067"/>
+          <a:off x="1987060" y="847197"/>
+          <a:ext cx="8217879" cy="950067"/>
         </p:xfrm>
         <a:graphic>
           <a:graphicData uri="http://schemas.openxmlformats.org/drawingml/2006/table">
@@ -22504,13 +21473,6 @@
                   <a:extLst>
                     <a:ext uri="{9D8B030D-6E8A-4147-A177-3AD203B41FA5}">
                       <a16:colId xmlns:a16="http://schemas.microsoft.com/office/drawing/2014/main" val="500225637"/>
-                    </a:ext>
-                  </a:extLst>
-                </a:gridCol>
-                <a:gridCol w="2739293">
-                  <a:extLst>
-                    <a:ext uri="{9D8B030D-6E8A-4147-A177-3AD203B41FA5}">
-                      <a16:colId xmlns:a16="http://schemas.microsoft.com/office/drawing/2014/main" val="1586546579"/>
                     </a:ext>
                   </a:extLst>
                 </a:gridCol>
@@ -22742,99 +21704,6 @@
                       <a:headEnd type="none" w="med" len="med"/>
                       <a:tailEnd type="none" w="med" len="med"/>
                     </a:lnR>
-                    <a:noFill/>
-                  </a:tcPr>
-                </a:tc>
-                <a:tc>
-                  <a:txBody>
-                    <a:bodyPr/>
-                    <a:lstStyle/>
-                    <a:p>
-                      <a:pPr marL="360363" indent="0" algn="l"/>
-                      <a:r>
-                        <a:rPr lang="id-ID" dirty="0">
-                          <a:solidFill>
-                            <a:sysClr val="windowText" lastClr="000000"/>
-                          </a:solidFill>
-                        </a:rPr>
-                        <a:t>Penyesuaian</a:t>
-                      </a:r>
-                    </a:p>
-                    <a:p>
-                      <a:pPr marL="360363" indent="0" algn="l"/>
-                      <a:r>
-                        <a:rPr lang="id-ID" sz="2400" dirty="0">
-                          <a:solidFill>
-                            <a:sysClr val="windowText" lastClr="000000"/>
-                          </a:solidFill>
-                        </a:rPr>
-                        <a:t>3</a:t>
-                      </a:r>
-                    </a:p>
-                    <a:p>
-                      <a:pPr marL="360363" marR="0" lvl="0" indent="0" algn="l" defTabSz="914400" rtl="0" eaLnBrk="1" fontAlgn="auto" latinLnBrk="0" hangingPunct="1">
-                        <a:lnSpc>
-                          <a:spcPct val="100000"/>
-                        </a:lnSpc>
-                        <a:spcBef>
-                          <a:spcPts val="0"/>
-                        </a:spcBef>
-                        <a:spcAft>
-                          <a:spcPts val="0"/>
-                        </a:spcAft>
-                        <a:buClrTx/>
-                        <a:buSzTx/>
-                        <a:buFontTx/>
-                        <a:buNone/>
-                        <a:tabLst/>
-                        <a:defRPr/>
-                      </a:pPr>
-                      <a:r>
-                        <a:rPr kumimoji="0" lang="id-ID" sz="1200" b="1" i="0" u="none" strike="noStrike" kern="1200" cap="none" spc="0" normalizeH="0" baseline="0" noProof="0" dirty="0">
-                          <a:ln>
-                            <a:noFill/>
-                          </a:ln>
-                          <a:solidFill>
-                            <a:srgbClr val="00B050"/>
-                          </a:solidFill>
-                          <a:effectLst/>
-                          <a:uLnTx/>
-                          <a:uFillTx/>
-                          <a:latin typeface="+mn-lt"/>
-                          <a:ea typeface="+mn-ea"/>
-                          <a:cs typeface="+mn-cs"/>
-                        </a:rPr>
-                        <a:t>^ 56%</a:t>
-                      </a:r>
-                      <a:r>
-                        <a:rPr kumimoji="0" lang="id-ID" sz="1200" b="1" i="0" u="none" strike="noStrike" kern="1200" cap="none" spc="0" normalizeH="0" baseline="0" noProof="0" dirty="0">
-                          <a:ln>
-                            <a:noFill/>
-                          </a:ln>
-                          <a:solidFill>
-                            <a:sysClr val="windowText" lastClr="000000"/>
-                          </a:solidFill>
-                          <a:effectLst/>
-                          <a:uLnTx/>
-                          <a:uFillTx/>
-                          <a:latin typeface="+mn-lt"/>
-                          <a:ea typeface="+mn-ea"/>
-                          <a:cs typeface="+mn-cs"/>
-                        </a:rPr>
-                        <a:t> dari minggu lalu</a:t>
-                      </a:r>
-                    </a:p>
-                  </a:txBody>
-                  <a:tcPr>
-                    <a:lnL w="12700" cap="flat" cmpd="sng" algn="ctr">
-                      <a:solidFill>
-                        <a:schemeClr val="tx1"/>
-                      </a:solidFill>
-                      <a:prstDash val="solid"/>
-                      <a:round/>
-                      <a:headEnd type="none" w="med" len="med"/>
-                      <a:tailEnd type="none" w="med" len="med"/>
-                    </a:lnL>
                     <a:noFill/>
                   </a:tcPr>
                 </a:tc>
@@ -23324,34 +22193,6 @@
           </p:txBody>
         </p:sp>
       </p:grpSp>
-      <p:graphicFrame>
-        <p:nvGraphicFramePr>
-          <p:cNvPr id="26" name="Chart 25">
-            <a:extLst>
-              <a:ext uri="{FF2B5EF4-FFF2-40B4-BE49-F238E27FC236}">
-                <a16:creationId xmlns:a16="http://schemas.microsoft.com/office/drawing/2014/main" id="{D87613E6-4C4E-4FD7-A653-9F451E1852C4}"/>
-              </a:ext>
-            </a:extLst>
-          </p:cNvPr>
-          <p:cNvGraphicFramePr/>
-          <p:nvPr>
-            <p:extLst>
-              <p:ext uri="{D42A27DB-BD31-4B8C-83A1-F6EECF244321}">
-                <p14:modId xmlns:p14="http://schemas.microsoft.com/office/powerpoint/2010/main" val="3934670037"/>
-              </p:ext>
-            </p:extLst>
-          </p:nvPr>
-        </p:nvGraphicFramePr>
-        <p:xfrm>
-          <a:off x="8484166" y="2992600"/>
-          <a:ext cx="3472506" cy="3750538"/>
-        </p:xfrm>
-        <a:graphic>
-          <a:graphicData uri="http://schemas.openxmlformats.org/drawingml/2006/chart">
-            <c:chart xmlns:c="http://schemas.openxmlformats.org/drawingml/2006/chart" xmlns:r="http://schemas.openxmlformats.org/officeDocument/2006/relationships" r:id="rId3"/>
-          </a:graphicData>
-        </a:graphic>
-      </p:graphicFrame>
       <p:sp>
         <p:nvSpPr>
           <p:cNvPr id="27" name="Rectangle 26">
@@ -23366,7 +22207,7 @@
         </p:nvSpPr>
         <p:spPr>
           <a:xfrm>
-            <a:off x="0" y="6857999"/>
+            <a:off x="-1" y="6858000"/>
             <a:ext cx="12192000" cy="5630780"/>
           </a:xfrm>
           <a:prstGeom prst="rect">
@@ -23399,6 +22240,398 @@
           <a:p>
             <a:pPr algn="ctr"/>
             <a:endParaRPr lang="id-ID"/>
+          </a:p>
+        </p:txBody>
+      </p:sp>
+      <p:graphicFrame>
+        <p:nvGraphicFramePr>
+          <p:cNvPr id="5" name="Table 4">
+            <a:extLst>
+              <a:ext uri="{FF2B5EF4-FFF2-40B4-BE49-F238E27FC236}">
+                <a16:creationId xmlns:a16="http://schemas.microsoft.com/office/drawing/2014/main" id="{002ED935-3235-4109-8D47-9C47E0C8D555}"/>
+              </a:ext>
+            </a:extLst>
+          </p:cNvPr>
+          <p:cNvGraphicFramePr>
+            <a:graphicFrameLocks noGrp="1"/>
+          </p:cNvGraphicFramePr>
+          <p:nvPr>
+            <p:extLst>
+              <p:ext uri="{D42A27DB-BD31-4B8C-83A1-F6EECF244321}">
+                <p14:modId xmlns:p14="http://schemas.microsoft.com/office/powerpoint/2010/main" val="286912845"/>
+              </p:ext>
+            </p:extLst>
+          </p:nvPr>
+        </p:nvGraphicFramePr>
+        <p:xfrm>
+          <a:off x="8162925" y="3621607"/>
+          <a:ext cx="3886200" cy="2225040"/>
+        </p:xfrm>
+        <a:graphic>
+          <a:graphicData uri="http://schemas.openxmlformats.org/drawingml/2006/table">
+            <a:tbl>
+              <a:tblPr firstRow="1" bandRow="1">
+                <a:tableStyleId>{5C22544A-7EE6-4342-B048-85BDC9FD1C3A}</a:tableStyleId>
+              </a:tblPr>
+              <a:tblGrid>
+                <a:gridCol w="295275">
+                  <a:extLst>
+                    <a:ext uri="{9D8B030D-6E8A-4147-A177-3AD203B41FA5}">
+                      <a16:colId xmlns:a16="http://schemas.microsoft.com/office/drawing/2014/main" val="3822138070"/>
+                    </a:ext>
+                  </a:extLst>
+                </a:gridCol>
+                <a:gridCol w="2026058">
+                  <a:extLst>
+                    <a:ext uri="{9D8B030D-6E8A-4147-A177-3AD203B41FA5}">
+                      <a16:colId xmlns:a16="http://schemas.microsoft.com/office/drawing/2014/main" val="2481120382"/>
+                    </a:ext>
+                  </a:extLst>
+                </a:gridCol>
+                <a:gridCol w="1564867">
+                  <a:extLst>
+                    <a:ext uri="{9D8B030D-6E8A-4147-A177-3AD203B41FA5}">
+                      <a16:colId xmlns:a16="http://schemas.microsoft.com/office/drawing/2014/main" val="2336471710"/>
+                    </a:ext>
+                  </a:extLst>
+                </a:gridCol>
+              </a:tblGrid>
+              <a:tr h="370840">
+                <a:tc>
+                  <a:txBody>
+                    <a:bodyPr/>
+                    <a:lstStyle/>
+                    <a:p>
+                      <a:pPr algn="l"/>
+                      <a:endParaRPr lang="id-ID" dirty="0"/>
+                    </a:p>
+                  </a:txBody>
+                  <a:tcPr/>
+                </a:tc>
+                <a:tc>
+                  <a:txBody>
+                    <a:bodyPr/>
+                    <a:lstStyle/>
+                    <a:p>
+                      <a:pPr algn="l"/>
+                      <a:r>
+                        <a:rPr lang="id-ID" dirty="0"/>
+                        <a:t>Transaksi</a:t>
+                      </a:r>
+                    </a:p>
+                  </a:txBody>
+                  <a:tcPr/>
+                </a:tc>
+                <a:tc>
+                  <a:txBody>
+                    <a:bodyPr/>
+                    <a:lstStyle/>
+                    <a:p>
+                      <a:pPr algn="r"/>
+                      <a:r>
+                        <a:rPr lang="id-ID" dirty="0"/>
+                        <a:t>Saldo (Rp)</a:t>
+                      </a:r>
+                    </a:p>
+                  </a:txBody>
+                  <a:tcPr/>
+                </a:tc>
+                <a:extLst>
+                  <a:ext uri="{0D108BD9-81ED-4DB2-BD59-A6C34878D82A}">
+                    <a16:rowId xmlns:a16="http://schemas.microsoft.com/office/drawing/2014/main" val="3542572282"/>
+                  </a:ext>
+                </a:extLst>
+              </a:tr>
+              <a:tr h="370840">
+                <a:tc>
+                  <a:txBody>
+                    <a:bodyPr/>
+                    <a:lstStyle/>
+                    <a:p>
+                      <a:pPr algn="l"/>
+                      <a:r>
+                        <a:rPr lang="id-ID" dirty="0"/>
+                        <a:t>1</a:t>
+                      </a:r>
+                    </a:p>
+                  </a:txBody>
+                  <a:tcPr/>
+                </a:tc>
+                <a:tc>
+                  <a:txBody>
+                    <a:bodyPr/>
+                    <a:lstStyle/>
+                    <a:p>
+                      <a:pPr algn="l"/>
+                      <a:r>
+                        <a:rPr lang="id-ID" dirty="0" err="1"/>
+                        <a:t>Sholat</a:t>
+                      </a:r>
+                      <a:r>
+                        <a:rPr lang="id-ID" dirty="0"/>
+                        <a:t> Jumat</a:t>
+                      </a:r>
+                    </a:p>
+                  </a:txBody>
+                  <a:tcPr/>
+                </a:tc>
+                <a:tc>
+                  <a:txBody>
+                    <a:bodyPr/>
+                    <a:lstStyle/>
+                    <a:p>
+                      <a:pPr algn="r"/>
+                      <a:r>
+                        <a:rPr lang="id-ID" dirty="0"/>
+                        <a:t>5.000.000</a:t>
+                      </a:r>
+                    </a:p>
+                  </a:txBody>
+                  <a:tcPr/>
+                </a:tc>
+                <a:extLst>
+                  <a:ext uri="{0D108BD9-81ED-4DB2-BD59-A6C34878D82A}">
+                    <a16:rowId xmlns:a16="http://schemas.microsoft.com/office/drawing/2014/main" val="4037417235"/>
+                  </a:ext>
+                </a:extLst>
+              </a:tr>
+              <a:tr h="370840">
+                <a:tc>
+                  <a:txBody>
+                    <a:bodyPr/>
+                    <a:lstStyle/>
+                    <a:p>
+                      <a:pPr algn="l"/>
+                      <a:r>
+                        <a:rPr lang="id-ID" dirty="0"/>
+                        <a:t>2</a:t>
+                      </a:r>
+                    </a:p>
+                  </a:txBody>
+                  <a:tcPr/>
+                </a:tc>
+                <a:tc>
+                  <a:txBody>
+                    <a:bodyPr/>
+                    <a:lstStyle/>
+                    <a:p>
+                      <a:pPr algn="l"/>
+                      <a:r>
+                        <a:rPr lang="id-ID" dirty="0" err="1"/>
+                        <a:t>Infaq</a:t>
+                      </a:r>
+                      <a:r>
+                        <a:rPr lang="id-ID" dirty="0"/>
+                        <a:t> Jenazah</a:t>
+                      </a:r>
+                    </a:p>
+                  </a:txBody>
+                  <a:tcPr/>
+                </a:tc>
+                <a:tc>
+                  <a:txBody>
+                    <a:bodyPr/>
+                    <a:lstStyle/>
+                    <a:p>
+                      <a:pPr algn="r"/>
+                      <a:r>
+                        <a:rPr lang="id-ID" dirty="0"/>
+                        <a:t>2.500.000</a:t>
+                      </a:r>
+                    </a:p>
+                  </a:txBody>
+                  <a:tcPr/>
+                </a:tc>
+                <a:extLst>
+                  <a:ext uri="{0D108BD9-81ED-4DB2-BD59-A6C34878D82A}">
+                    <a16:rowId xmlns:a16="http://schemas.microsoft.com/office/drawing/2014/main" val="545085822"/>
+                  </a:ext>
+                </a:extLst>
+              </a:tr>
+              <a:tr h="370840">
+                <a:tc>
+                  <a:txBody>
+                    <a:bodyPr/>
+                    <a:lstStyle/>
+                    <a:p>
+                      <a:pPr algn="l"/>
+                      <a:r>
+                        <a:rPr lang="id-ID" dirty="0"/>
+                        <a:t>3</a:t>
+                      </a:r>
+                    </a:p>
+                  </a:txBody>
+                  <a:tcPr/>
+                </a:tc>
+                <a:tc>
+                  <a:txBody>
+                    <a:bodyPr/>
+                    <a:lstStyle/>
+                    <a:p>
+                      <a:pPr algn="l"/>
+                      <a:r>
+                        <a:rPr lang="id-ID" dirty="0"/>
+                        <a:t>Donatur</a:t>
+                      </a:r>
+                    </a:p>
+                  </a:txBody>
+                  <a:tcPr/>
+                </a:tc>
+                <a:tc>
+                  <a:txBody>
+                    <a:bodyPr/>
+                    <a:lstStyle/>
+                    <a:p>
+                      <a:pPr algn="r"/>
+                      <a:r>
+                        <a:rPr lang="id-ID" dirty="0"/>
+                        <a:t>1.500.000</a:t>
+                      </a:r>
+                    </a:p>
+                  </a:txBody>
+                  <a:tcPr/>
+                </a:tc>
+                <a:extLst>
+                  <a:ext uri="{0D108BD9-81ED-4DB2-BD59-A6C34878D82A}">
+                    <a16:rowId xmlns:a16="http://schemas.microsoft.com/office/drawing/2014/main" val="12773458"/>
+                  </a:ext>
+                </a:extLst>
+              </a:tr>
+              <a:tr h="370840">
+                <a:tc>
+                  <a:txBody>
+                    <a:bodyPr/>
+                    <a:lstStyle/>
+                    <a:p>
+                      <a:pPr algn="l"/>
+                      <a:r>
+                        <a:rPr lang="id-ID" dirty="0"/>
+                        <a:t>4</a:t>
+                      </a:r>
+                    </a:p>
+                  </a:txBody>
+                  <a:tcPr/>
+                </a:tc>
+                <a:tc>
+                  <a:txBody>
+                    <a:bodyPr/>
+                    <a:lstStyle/>
+                    <a:p>
+                      <a:pPr algn="l"/>
+                      <a:r>
+                        <a:rPr lang="id-ID" dirty="0"/>
+                        <a:t>Wakaf</a:t>
+                      </a:r>
+                    </a:p>
+                  </a:txBody>
+                  <a:tcPr/>
+                </a:tc>
+                <a:tc>
+                  <a:txBody>
+                    <a:bodyPr/>
+                    <a:lstStyle/>
+                    <a:p>
+                      <a:pPr algn="r"/>
+                      <a:r>
+                        <a:rPr lang="id-ID" dirty="0"/>
+                        <a:t>1.000.000</a:t>
+                      </a:r>
+                    </a:p>
+                  </a:txBody>
+                  <a:tcPr/>
+                </a:tc>
+                <a:extLst>
+                  <a:ext uri="{0D108BD9-81ED-4DB2-BD59-A6C34878D82A}">
+                    <a16:rowId xmlns:a16="http://schemas.microsoft.com/office/drawing/2014/main" val="1243198678"/>
+                  </a:ext>
+                </a:extLst>
+              </a:tr>
+              <a:tr h="370840">
+                <a:tc>
+                  <a:txBody>
+                    <a:bodyPr/>
+                    <a:lstStyle/>
+                    <a:p>
+                      <a:pPr algn="l"/>
+                      <a:r>
+                        <a:rPr lang="id-ID" dirty="0"/>
+                        <a:t>5</a:t>
+                      </a:r>
+                    </a:p>
+                  </a:txBody>
+                  <a:tcPr/>
+                </a:tc>
+                <a:tc>
+                  <a:txBody>
+                    <a:bodyPr/>
+                    <a:lstStyle/>
+                    <a:p>
+                      <a:pPr algn="l"/>
+                      <a:r>
+                        <a:rPr lang="id-ID" dirty="0" err="1"/>
+                        <a:t>Shodaqoh</a:t>
+                      </a:r>
+                      <a:endParaRPr lang="id-ID" dirty="0"/>
+                    </a:p>
+                  </a:txBody>
+                  <a:tcPr/>
+                </a:tc>
+                <a:tc>
+                  <a:txBody>
+                    <a:bodyPr/>
+                    <a:lstStyle/>
+                    <a:p>
+                      <a:pPr algn="r"/>
+                      <a:r>
+                        <a:rPr lang="id-ID" dirty="0"/>
+                        <a:t>500.000</a:t>
+                      </a:r>
+                    </a:p>
+                  </a:txBody>
+                  <a:tcPr/>
+                </a:tc>
+                <a:extLst>
+                  <a:ext uri="{0D108BD9-81ED-4DB2-BD59-A6C34878D82A}">
+                    <a16:rowId xmlns:a16="http://schemas.microsoft.com/office/drawing/2014/main" val="3726504067"/>
+                  </a:ext>
+                </a:extLst>
+              </a:tr>
+            </a:tbl>
+          </a:graphicData>
+        </a:graphic>
+      </p:graphicFrame>
+      <p:sp>
+        <p:nvSpPr>
+          <p:cNvPr id="20" name="TextBox 19">
+            <a:extLst>
+              <a:ext uri="{FF2B5EF4-FFF2-40B4-BE49-F238E27FC236}">
+                <a16:creationId xmlns:a16="http://schemas.microsoft.com/office/drawing/2014/main" id="{81F9D663-BDD1-4DD2-A109-BE9354EDD5EC}"/>
+              </a:ext>
+            </a:extLst>
+          </p:cNvPr>
+          <p:cNvSpPr txBox="1"/>
+          <p:nvPr/>
+        </p:nvSpPr>
+        <p:spPr>
+          <a:xfrm>
+            <a:off x="9212384" y="3265166"/>
+            <a:ext cx="1971886" cy="369332"/>
+          </a:xfrm>
+          <a:prstGeom prst="rect">
+            <a:avLst/>
+          </a:prstGeom>
+          <a:noFill/>
+        </p:spPr>
+        <p:txBody>
+          <a:bodyPr wrap="none" rtlCol="0">
+            <a:spAutoFit/>
+          </a:bodyPr>
+          <a:lstStyle/>
+          <a:p>
+            <a:r>
+              <a:rPr lang="id-ID" dirty="0"/>
+              <a:t>Informasi Transaksi</a:t>
+            </a:r>
           </a:p>
         </p:txBody>
       </p:sp>
@@ -30056,18 +29289,18 @@
 
 <file path=customXml/item1.xml><?xml version="1.0" encoding="utf-8"?>
 <Control xmlns="http://schemas.microsoft.com/VisualStudio/2011/storyboarding/control">
-  <Id Name="System.Storyboarding.WindowsAppIcons.Left" Revision="1" Stencil="System.Storyboarding.WindowsAppIcons" StencilVersion="0.1"/>
+  <Id Name="a2c8d44d-9667-4c53-9e49-e310e6246c4a" RevisionId="9b2c8de1-5094-4c28-9871-718be66a8830" Stencil="172d6d98-e5c9-42e9-a209-79f7a94bbd38" StencilRevisionId="00000000-0000-0000-0000-000000000000" StencilVersion="0.0"/>
 </Control>
 </file>
 
 <file path=customXml/item2.xml><?xml version="1.0" encoding="utf-8"?>
 <Control xmlns="http://schemas.microsoft.com/VisualStudio/2011/storyboarding/control">
-  <Id Name="a2c8d44d-9667-4c53-9e49-e310e6246c4a" RevisionId="9b2c8de1-5094-4c28-9871-718be66a8830" Stencil="172d6d98-e5c9-42e9-a209-79f7a94bbd38" StencilRevisionId="00000000-0000-0000-0000-000000000000" StencilVersion="0.0"/>
+  <Id Name="System.Storyboarding.WindowsAppIcons.Left" Revision="1" Stencil="System.Storyboarding.WindowsAppIcons" StencilVersion="0.1"/>
 </Control>
 </file>
 
 <file path=customXml/itemProps1.xml><?xml version="1.0" encoding="utf-8"?>
-<ds:datastoreItem xmlns:ds="http://schemas.openxmlformats.org/officeDocument/2006/customXml" ds:itemID="{328B2636-50CB-447B-B1F7-79BF6B4D4FC1}">
+<ds:datastoreItem xmlns:ds="http://schemas.openxmlformats.org/officeDocument/2006/customXml" ds:itemID="{F70A2E01-74C0-4C34-BBC6-7043AF99139A}">
   <ds:schemaRefs>
     <ds:schemaRef ds:uri="http://schemas.microsoft.com/VisualStudio/2011/storyboarding/control"/>
   </ds:schemaRefs>
@@ -30075,7 +29308,7 @@
 </file>
 
 <file path=customXml/itemProps2.xml><?xml version="1.0" encoding="utf-8"?>
-<ds:datastoreItem xmlns:ds="http://schemas.openxmlformats.org/officeDocument/2006/customXml" ds:itemID="{F70A2E01-74C0-4C34-BBC6-7043AF99139A}">
+<ds:datastoreItem xmlns:ds="http://schemas.openxmlformats.org/officeDocument/2006/customXml" ds:itemID="{328B2636-50CB-447B-B1F7-79BF6B4D4FC1}">
   <ds:schemaRefs>
     <ds:schemaRef ds:uri="http://schemas.microsoft.com/VisualStudio/2011/storyboarding/control"/>
   </ds:schemaRefs>
